--- a/pic/pictures.pptx
+++ b/pic/pictures.pptx
@@ -201,7 +201,7 @@
           <a:p>
             <a:fld id="{6DE9E842-1B71-4FDF-8546-7CFAC534C405}" type="datetimeFigureOut">
               <a:rPr lang="en-US" smtClean="0"/>
-              <a:t>12/1/2020</a:t>
+              <a:t>12/3/2020</a:t>
             </a:fld>
             <a:endParaRPr lang="en-US"/>
           </a:p>
@@ -928,7 +928,7 @@
           <a:p>
             <a:fld id="{CDEEAA9E-B205-4E3D-B322-3F4BE24D9928}" type="datetimeFigureOut">
               <a:rPr lang="en-US" smtClean="0"/>
-              <a:t>12/1/2020</a:t>
+              <a:t>12/3/2020</a:t>
             </a:fld>
             <a:endParaRPr lang="en-US"/>
           </a:p>
@@ -1126,7 +1126,7 @@
           <a:p>
             <a:fld id="{CDEEAA9E-B205-4E3D-B322-3F4BE24D9928}" type="datetimeFigureOut">
               <a:rPr lang="en-US" smtClean="0"/>
-              <a:t>12/1/2020</a:t>
+              <a:t>12/3/2020</a:t>
             </a:fld>
             <a:endParaRPr lang="en-US"/>
           </a:p>
@@ -1334,7 +1334,7 @@
           <a:p>
             <a:fld id="{CDEEAA9E-B205-4E3D-B322-3F4BE24D9928}" type="datetimeFigureOut">
               <a:rPr lang="en-US" smtClean="0"/>
-              <a:t>12/1/2020</a:t>
+              <a:t>12/3/2020</a:t>
             </a:fld>
             <a:endParaRPr lang="en-US"/>
           </a:p>
@@ -1532,7 +1532,7 @@
           <a:p>
             <a:fld id="{CDEEAA9E-B205-4E3D-B322-3F4BE24D9928}" type="datetimeFigureOut">
               <a:rPr lang="en-US" smtClean="0"/>
-              <a:t>12/1/2020</a:t>
+              <a:t>12/3/2020</a:t>
             </a:fld>
             <a:endParaRPr lang="en-US"/>
           </a:p>
@@ -1807,7 +1807,7 @@
           <a:p>
             <a:fld id="{CDEEAA9E-B205-4E3D-B322-3F4BE24D9928}" type="datetimeFigureOut">
               <a:rPr lang="en-US" smtClean="0"/>
-              <a:t>12/1/2020</a:t>
+              <a:t>12/3/2020</a:t>
             </a:fld>
             <a:endParaRPr lang="en-US"/>
           </a:p>
@@ -2072,7 +2072,7 @@
           <a:p>
             <a:fld id="{CDEEAA9E-B205-4E3D-B322-3F4BE24D9928}" type="datetimeFigureOut">
               <a:rPr lang="en-US" smtClean="0"/>
-              <a:t>12/1/2020</a:t>
+              <a:t>12/3/2020</a:t>
             </a:fld>
             <a:endParaRPr lang="en-US"/>
           </a:p>
@@ -2484,7 +2484,7 @@
           <a:p>
             <a:fld id="{CDEEAA9E-B205-4E3D-B322-3F4BE24D9928}" type="datetimeFigureOut">
               <a:rPr lang="en-US" smtClean="0"/>
-              <a:t>12/1/2020</a:t>
+              <a:t>12/3/2020</a:t>
             </a:fld>
             <a:endParaRPr lang="en-US"/>
           </a:p>
@@ -2625,7 +2625,7 @@
           <a:p>
             <a:fld id="{CDEEAA9E-B205-4E3D-B322-3F4BE24D9928}" type="datetimeFigureOut">
               <a:rPr lang="en-US" smtClean="0"/>
-              <a:t>12/1/2020</a:t>
+              <a:t>12/3/2020</a:t>
             </a:fld>
             <a:endParaRPr lang="en-US"/>
           </a:p>
@@ -2738,7 +2738,7 @@
           <a:p>
             <a:fld id="{CDEEAA9E-B205-4E3D-B322-3F4BE24D9928}" type="datetimeFigureOut">
               <a:rPr lang="en-US" smtClean="0"/>
-              <a:t>12/1/2020</a:t>
+              <a:t>12/3/2020</a:t>
             </a:fld>
             <a:endParaRPr lang="en-US"/>
           </a:p>
@@ -3049,7 +3049,7 @@
           <a:p>
             <a:fld id="{CDEEAA9E-B205-4E3D-B322-3F4BE24D9928}" type="datetimeFigureOut">
               <a:rPr lang="en-US" smtClean="0"/>
-              <a:t>12/1/2020</a:t>
+              <a:t>12/3/2020</a:t>
             </a:fld>
             <a:endParaRPr lang="en-US"/>
           </a:p>
@@ -3337,7 +3337,7 @@
           <a:p>
             <a:fld id="{CDEEAA9E-B205-4E3D-B322-3F4BE24D9928}" type="datetimeFigureOut">
               <a:rPr lang="en-US" smtClean="0"/>
-              <a:t>12/1/2020</a:t>
+              <a:t>12/3/2020</a:t>
             </a:fld>
             <a:endParaRPr lang="en-US"/>
           </a:p>
@@ -3578,7 +3578,7 @@
           <a:p>
             <a:fld id="{CDEEAA9E-B205-4E3D-B322-3F4BE24D9928}" type="datetimeFigureOut">
               <a:rPr lang="en-US" smtClean="0"/>
-              <a:t>12/1/2020</a:t>
+              <a:t>12/3/2020</a:t>
             </a:fld>
             <a:endParaRPr lang="en-US"/>
           </a:p>
@@ -4434,7 +4434,7 @@
         </p:nvSpPr>
         <p:spPr>
           <a:xfrm>
-            <a:off x="807187" y="280918"/>
+            <a:off x="783124" y="25482"/>
             <a:ext cx="10772775" cy="961277"/>
           </a:xfrm>
           <a:prstGeom prst="rect">
@@ -4480,42 +4480,381 @@
           </a:p>
         </p:txBody>
       </p:sp>
-      <p:pic>
-        <p:nvPicPr>
-          <p:cNvPr id="20" name="Picture 19" descr="A picture containing object&#10;&#10;Description generated with very high confidence">
-            <a:extLst>
-              <a:ext uri="{FF2B5EF4-FFF2-40B4-BE49-F238E27FC236}">
-                <a16:creationId xmlns:a16="http://schemas.microsoft.com/office/drawing/2014/main" id="{BFA8EE74-C4C5-4B64-A157-B93B22BF494E}"/>
-              </a:ext>
-            </a:extLst>
-          </p:cNvPr>
-          <p:cNvPicPr>
-            <a:picLocks noChangeAspect="1"/>
-          </p:cNvPicPr>
+      <p:grpSp>
+        <p:nvGrpSpPr>
+          <p:cNvPr id="9" name="Group 8">
+            <a:extLst>
+              <a:ext uri="{FF2B5EF4-FFF2-40B4-BE49-F238E27FC236}">
+                <a16:creationId xmlns:a16="http://schemas.microsoft.com/office/drawing/2014/main" id="{81CA840F-33E4-48D1-9FFA-43CF401D1468}"/>
+              </a:ext>
+            </a:extLst>
+          </p:cNvPr>
+          <p:cNvGrpSpPr/>
           <p:nvPr/>
-        </p:nvPicPr>
-        <p:blipFill>
-          <a:blip r:embed="rId3">
-            <a:extLst>
-              <a:ext uri="{28A0092B-C50C-407E-A947-70E740481C1C}">
-                <a14:useLocalDpi xmlns:a14="http://schemas.microsoft.com/office/drawing/2010/main" val="0"/>
-              </a:ext>
-            </a:extLst>
-          </a:blip>
-          <a:stretch>
-            <a:fillRect/>
-          </a:stretch>
-        </p:blipFill>
-        <p:spPr>
+        </p:nvGrpSpPr>
+        <p:grpSpPr>
           <a:xfrm>
-            <a:off x="9835376" y="6328400"/>
-            <a:ext cx="2223771" cy="428280"/>
+            <a:off x="0" y="850400"/>
+            <a:ext cx="12192000" cy="5590323"/>
+            <a:chOff x="0" y="1050927"/>
+            <a:chExt cx="12192000" cy="5590323"/>
           </a:xfrm>
-          <a:prstGeom prst="rect">
-            <a:avLst/>
-          </a:prstGeom>
-        </p:spPr>
-      </p:pic>
+        </p:grpSpPr>
+        <p:pic>
+          <p:nvPicPr>
+            <p:cNvPr id="3" name="Picture 2" descr="Text&#10;&#10;Description automatically generated">
+              <a:extLst>
+                <a:ext uri="{FF2B5EF4-FFF2-40B4-BE49-F238E27FC236}">
+                  <a16:creationId xmlns:a16="http://schemas.microsoft.com/office/drawing/2014/main" id="{E3452062-EB03-4AE1-B9CB-6B9B1573B3DC}"/>
+                </a:ext>
+              </a:extLst>
+            </p:cNvPr>
+            <p:cNvPicPr>
+              <a:picLocks noChangeAspect="1"/>
+            </p:cNvPicPr>
+            <p:nvPr/>
+          </p:nvPicPr>
+          <p:blipFill>
+            <a:blip r:embed="rId3">
+              <a:extLst>
+                <a:ext uri="{28A0092B-C50C-407E-A947-70E740481C1C}">
+                  <a14:useLocalDpi xmlns:a14="http://schemas.microsoft.com/office/drawing/2010/main" val="0"/>
+                </a:ext>
+              </a:extLst>
+            </a:blip>
+            <a:stretch>
+              <a:fillRect/>
+            </a:stretch>
+          </p:blipFill>
+          <p:spPr>
+            <a:xfrm>
+              <a:off x="0" y="1050927"/>
+              <a:ext cx="12192000" cy="5590323"/>
+            </a:xfrm>
+            <a:prstGeom prst="rect">
+              <a:avLst/>
+            </a:prstGeom>
+            <a:ln>
+              <a:noFill/>
+            </a:ln>
+            <a:effectLst>
+              <a:outerShdw blurRad="292100" dist="139700" dir="2700000" algn="tl" rotWithShape="0">
+                <a:srgbClr val="333333">
+                  <a:alpha val="65000"/>
+                </a:srgbClr>
+              </a:outerShdw>
+            </a:effectLst>
+          </p:spPr>
+        </p:pic>
+        <p:sp>
+          <p:nvSpPr>
+            <p:cNvPr id="4" name="Arrow: Right 3">
+              <a:extLst>
+                <a:ext uri="{FF2B5EF4-FFF2-40B4-BE49-F238E27FC236}">
+                  <a16:creationId xmlns:a16="http://schemas.microsoft.com/office/drawing/2014/main" id="{9CC7615F-F94D-46FD-BBBC-3F3FB1FA99F1}"/>
+                </a:ext>
+              </a:extLst>
+            </p:cNvPr>
+            <p:cNvSpPr/>
+            <p:nvPr/>
+          </p:nvSpPr>
+          <p:spPr>
+            <a:xfrm>
+              <a:off x="10841118" y="1336086"/>
+              <a:ext cx="561474" cy="152400"/>
+            </a:xfrm>
+            <a:prstGeom prst="rightArrow">
+              <a:avLst/>
+            </a:prstGeom>
+          </p:spPr>
+          <p:style>
+            <a:lnRef idx="3">
+              <a:schemeClr val="lt1"/>
+            </a:lnRef>
+            <a:fillRef idx="1">
+              <a:schemeClr val="accent3"/>
+            </a:fillRef>
+            <a:effectRef idx="1">
+              <a:schemeClr val="accent3"/>
+            </a:effectRef>
+            <a:fontRef idx="minor">
+              <a:schemeClr val="lt1"/>
+            </a:fontRef>
+          </p:style>
+          <p:txBody>
+            <a:bodyPr rtlCol="0" anchor="ctr"/>
+            <a:lstStyle/>
+            <a:p>
+              <a:pPr algn="ctr"/>
+              <a:endParaRPr lang="en-US" dirty="0"/>
+            </a:p>
+          </p:txBody>
+        </p:sp>
+        <p:sp>
+          <p:nvSpPr>
+            <p:cNvPr id="7" name="Arrow: Right 6">
+              <a:extLst>
+                <a:ext uri="{FF2B5EF4-FFF2-40B4-BE49-F238E27FC236}">
+                  <a16:creationId xmlns:a16="http://schemas.microsoft.com/office/drawing/2014/main" id="{F5208BCC-E123-4693-9BCE-9D95426A622D}"/>
+                </a:ext>
+              </a:extLst>
+            </p:cNvPr>
+            <p:cNvSpPr/>
+            <p:nvPr/>
+          </p:nvSpPr>
+          <p:spPr>
+            <a:xfrm rot="19790106">
+              <a:off x="11309743" y="1653677"/>
+              <a:ext cx="561474" cy="152400"/>
+            </a:xfrm>
+            <a:prstGeom prst="rightArrow">
+              <a:avLst/>
+            </a:prstGeom>
+          </p:spPr>
+          <p:style>
+            <a:lnRef idx="3">
+              <a:schemeClr val="lt1"/>
+            </a:lnRef>
+            <a:fillRef idx="1">
+              <a:schemeClr val="accent3"/>
+            </a:fillRef>
+            <a:effectRef idx="1">
+              <a:schemeClr val="accent3"/>
+            </a:effectRef>
+            <a:fontRef idx="minor">
+              <a:schemeClr val="lt1"/>
+            </a:fontRef>
+          </p:style>
+          <p:txBody>
+            <a:bodyPr rtlCol="0" anchor="ctr"/>
+            <a:lstStyle/>
+            <a:p>
+              <a:pPr algn="ctr"/>
+              <a:endParaRPr lang="en-US" dirty="0"/>
+            </a:p>
+          </p:txBody>
+        </p:sp>
+        <p:sp>
+          <p:nvSpPr>
+            <p:cNvPr id="5" name="TextBox 4">
+              <a:extLst>
+                <a:ext uri="{FF2B5EF4-FFF2-40B4-BE49-F238E27FC236}">
+                  <a16:creationId xmlns:a16="http://schemas.microsoft.com/office/drawing/2014/main" id="{C24E0977-4ACB-4EC8-A85A-D706332DFC59}"/>
+                </a:ext>
+              </a:extLst>
+            </p:cNvPr>
+            <p:cNvSpPr txBox="1"/>
+            <p:nvPr/>
+          </p:nvSpPr>
+          <p:spPr>
+            <a:xfrm>
+              <a:off x="9581148" y="1239109"/>
+              <a:ext cx="1411705" cy="338554"/>
+            </a:xfrm>
+            <a:prstGeom prst="rect">
+              <a:avLst/>
+            </a:prstGeom>
+            <a:noFill/>
+          </p:spPr>
+          <p:txBody>
+            <a:bodyPr wrap="square" rtlCol="0">
+              <a:spAutoFit/>
+            </a:bodyPr>
+            <a:lstStyle/>
+            <a:p>
+              <a:r>
+                <a:rPr lang="en-US" sz="1600" dirty="0">
+                  <a:ln w="0">
+                    <a:solidFill>
+                      <a:schemeClr val="bg1"/>
+                    </a:solidFill>
+                  </a:ln>
+                  <a:solidFill>
+                    <a:schemeClr val="accent3">
+                      <a:lumMod val="20000"/>
+                      <a:lumOff val="80000"/>
+                    </a:schemeClr>
+                  </a:solidFill>
+                  <a:effectLst>
+                    <a:outerShdw blurRad="38100" dist="19050" dir="2700000" algn="tl" rotWithShape="0">
+                      <a:schemeClr val="dk1">
+                        <a:alpha val="40000"/>
+                      </a:schemeClr>
+                    </a:outerShdw>
+                  </a:effectLst>
+                </a:rPr>
+                <a:t>Refine Model</a:t>
+              </a:r>
+            </a:p>
+          </p:txBody>
+        </p:sp>
+        <p:sp>
+          <p:nvSpPr>
+            <p:cNvPr id="6" name="Rectangle 5">
+              <a:extLst>
+                <a:ext uri="{FF2B5EF4-FFF2-40B4-BE49-F238E27FC236}">
+                  <a16:creationId xmlns:a16="http://schemas.microsoft.com/office/drawing/2014/main" id="{3C267868-B00E-4FDC-B862-1C445684BA0F}"/>
+                </a:ext>
+              </a:extLst>
+            </p:cNvPr>
+            <p:cNvSpPr/>
+            <p:nvPr/>
+          </p:nvSpPr>
+          <p:spPr>
+            <a:xfrm>
+              <a:off x="11455391" y="1243263"/>
+              <a:ext cx="303472" cy="269286"/>
+            </a:xfrm>
+            <a:prstGeom prst="rect">
+              <a:avLst/>
+            </a:prstGeom>
+            <a:noFill/>
+            <a:ln w="19050" cap="flat" cmpd="sng" algn="ctr">
+              <a:solidFill>
+                <a:schemeClr val="accent3">
+                  <a:lumMod val="75000"/>
+                </a:schemeClr>
+              </a:solidFill>
+              <a:prstDash val="dash"/>
+              <a:round/>
+              <a:headEnd type="none" w="med" len="med"/>
+              <a:tailEnd type="none" w="med" len="med"/>
+            </a:ln>
+          </p:spPr>
+          <p:style>
+            <a:lnRef idx="0">
+              <a:scrgbClr r="0" g="0" b="0"/>
+            </a:lnRef>
+            <a:fillRef idx="0">
+              <a:scrgbClr r="0" g="0" b="0"/>
+            </a:fillRef>
+            <a:effectRef idx="0">
+              <a:scrgbClr r="0" g="0" b="0"/>
+            </a:effectRef>
+            <a:fontRef idx="minor">
+              <a:schemeClr val="dk1"/>
+            </a:fontRef>
+          </p:style>
+          <p:txBody>
+            <a:bodyPr rtlCol="0" anchor="ctr"/>
+            <a:lstStyle/>
+            <a:p>
+              <a:pPr algn="ctr"/>
+              <a:endParaRPr lang="en-US" dirty="0"/>
+            </a:p>
+          </p:txBody>
+        </p:sp>
+        <p:sp>
+          <p:nvSpPr>
+            <p:cNvPr id="13" name="Rectangle 12">
+              <a:extLst>
+                <a:ext uri="{FF2B5EF4-FFF2-40B4-BE49-F238E27FC236}">
+                  <a16:creationId xmlns:a16="http://schemas.microsoft.com/office/drawing/2014/main" id="{C6CD46C7-7402-4231-ACFA-2598C26D1658}"/>
+                </a:ext>
+              </a:extLst>
+            </p:cNvPr>
+            <p:cNvSpPr/>
+            <p:nvPr/>
+          </p:nvSpPr>
+          <p:spPr>
+            <a:xfrm>
+              <a:off x="11803643" y="1245894"/>
+              <a:ext cx="303472" cy="274676"/>
+            </a:xfrm>
+            <a:prstGeom prst="rect">
+              <a:avLst/>
+            </a:prstGeom>
+            <a:noFill/>
+            <a:ln w="19050" cap="flat" cmpd="sng" algn="ctr">
+              <a:solidFill>
+                <a:schemeClr val="accent3">
+                  <a:lumMod val="75000"/>
+                </a:schemeClr>
+              </a:solidFill>
+              <a:prstDash val="dash"/>
+              <a:round/>
+              <a:headEnd type="none" w="med" len="med"/>
+              <a:tailEnd type="none" w="med" len="med"/>
+            </a:ln>
+          </p:spPr>
+          <p:style>
+            <a:lnRef idx="0">
+              <a:scrgbClr r="0" g="0" b="0"/>
+            </a:lnRef>
+            <a:fillRef idx="0">
+              <a:scrgbClr r="0" g="0" b="0"/>
+            </a:fillRef>
+            <a:effectRef idx="0">
+              <a:scrgbClr r="0" g="0" b="0"/>
+            </a:effectRef>
+            <a:fontRef idx="minor">
+              <a:schemeClr val="dk1"/>
+            </a:fontRef>
+          </p:style>
+          <p:txBody>
+            <a:bodyPr rtlCol="0" anchor="ctr"/>
+            <a:lstStyle/>
+            <a:p>
+              <a:pPr algn="ctr"/>
+              <a:endParaRPr lang="en-US" dirty="0"/>
+            </a:p>
+          </p:txBody>
+        </p:sp>
+        <p:sp>
+          <p:nvSpPr>
+            <p:cNvPr id="14" name="TextBox 13">
+              <a:extLst>
+                <a:ext uri="{FF2B5EF4-FFF2-40B4-BE49-F238E27FC236}">
+                  <a16:creationId xmlns:a16="http://schemas.microsoft.com/office/drawing/2014/main" id="{9DE24B70-BDE6-4822-929E-D0663F7D0C8B}"/>
+                </a:ext>
+              </a:extLst>
+            </p:cNvPr>
+            <p:cNvSpPr txBox="1"/>
+            <p:nvPr/>
+          </p:nvSpPr>
+          <p:spPr>
+            <a:xfrm>
+              <a:off x="10144194" y="1679062"/>
+              <a:ext cx="1411705" cy="338554"/>
+            </a:xfrm>
+            <a:prstGeom prst="rect">
+              <a:avLst/>
+            </a:prstGeom>
+            <a:noFill/>
+          </p:spPr>
+          <p:txBody>
+            <a:bodyPr wrap="square" rtlCol="0">
+              <a:spAutoFit/>
+            </a:bodyPr>
+            <a:lstStyle/>
+            <a:p>
+              <a:r>
+                <a:rPr lang="en-US" sz="1600" dirty="0">
+                  <a:ln w="0">
+                    <a:solidFill>
+                      <a:schemeClr val="bg1"/>
+                    </a:solidFill>
+                  </a:ln>
+                  <a:solidFill>
+                    <a:schemeClr val="accent3">
+                      <a:lumMod val="20000"/>
+                      <a:lumOff val="80000"/>
+                    </a:schemeClr>
+                  </a:solidFill>
+                  <a:effectLst>
+                    <a:outerShdw blurRad="38100" dist="19050" dir="2700000" algn="tl" rotWithShape="0">
+                      <a:schemeClr val="dk1">
+                        <a:alpha val="40000"/>
+                      </a:schemeClr>
+                    </a:outerShdw>
+                  </a:effectLst>
+                </a:rPr>
+                <a:t>Preferences</a:t>
+              </a:r>
+            </a:p>
+          </p:txBody>
+        </p:sp>
+      </p:grpSp>
     </p:spTree>
     <p:extLst>
       <p:ext uri="{BB962C8B-B14F-4D97-AF65-F5344CB8AC3E}">
@@ -4658,7 +4997,7 @@
         </p:nvGrpSpPr>
         <p:grpSpPr>
           <a:xfrm>
-            <a:off x="166932" y="1444276"/>
+            <a:off x="655056" y="1460318"/>
             <a:ext cx="11077036" cy="3347225"/>
             <a:chOff x="166932" y="1444276"/>
             <a:chExt cx="11077036" cy="3347225"/>

--- a/pic/pictures.pptx
+++ b/pic/pictures.pptx
@@ -5,14 +5,15 @@
     <p:sldMasterId id="2147483672" r:id="rId1"/>
   </p:sldMasterIdLst>
   <p:notesMasterIdLst>
-    <p:notesMasterId r:id="rId7"/>
+    <p:notesMasterId r:id="rId8"/>
   </p:notesMasterIdLst>
   <p:sldIdLst>
     <p:sldId id="256" r:id="rId2"/>
     <p:sldId id="349" r:id="rId3"/>
-    <p:sldId id="346" r:id="rId4"/>
-    <p:sldId id="347" r:id="rId5"/>
-    <p:sldId id="348" r:id="rId6"/>
+    <p:sldId id="350" r:id="rId4"/>
+    <p:sldId id="346" r:id="rId5"/>
+    <p:sldId id="347" r:id="rId6"/>
+    <p:sldId id="348" r:id="rId7"/>
   </p:sldIdLst>
   <p:sldSz cx="12192000" cy="6858000"/>
   <p:notesSz cx="6858000" cy="9144000"/>
@@ -201,7 +202,7 @@
           <a:p>
             <a:fld id="{6DE9E842-1B71-4FDF-8546-7CFAC534C405}" type="datetimeFigureOut">
               <a:rPr lang="en-US" smtClean="0"/>
-              <a:t>12/3/2020</a:t>
+              <a:t>2/10/2021</a:t>
             </a:fld>
             <a:endParaRPr lang="en-US"/>
           </a:p>
@@ -686,7 +687,69 @@
           <a:chExt cx="0" cy="0"/>
         </a:xfrm>
       </p:grpSpPr>
+      <p:sp>
+        <p:nvSpPr>
+          <p:cNvPr id="2" name="Slide Image Placeholder 1"/>
+          <p:cNvSpPr>
+            <a:spLocks noGrp="1" noRot="1" noChangeAspect="1"/>
+          </p:cNvSpPr>
+          <p:nvPr>
+            <p:ph type="sldImg"/>
+          </p:nvPr>
+        </p:nvSpPr>
+        <p:spPr/>
+      </p:sp>
+      <p:sp>
+        <p:nvSpPr>
+          <p:cNvPr id="3" name="Notes Placeholder 2"/>
+          <p:cNvSpPr>
+            <a:spLocks noGrp="1"/>
+          </p:cNvSpPr>
+          <p:nvPr>
+            <p:ph type="body" idx="1"/>
+          </p:nvPr>
+        </p:nvSpPr>
+        <p:spPr/>
+        <p:txBody>
+          <a:bodyPr/>
+          <a:lstStyle/>
+          <a:p>
+            <a:r>
+              <a:rPr lang="en-US" dirty="0"/>
+              <a:t>Existing literature to counter algorithmic bias can be classified into 3 different stages :- data, model and prediction</a:t>
+            </a:r>
+          </a:p>
+        </p:txBody>
+      </p:sp>
+      <p:sp>
+        <p:nvSpPr>
+          <p:cNvPr id="4" name="Slide Number Placeholder 3"/>
+          <p:cNvSpPr>
+            <a:spLocks noGrp="1"/>
+          </p:cNvSpPr>
+          <p:nvPr>
+            <p:ph type="sldNum" sz="quarter" idx="10"/>
+          </p:nvPr>
+        </p:nvSpPr>
+        <p:spPr/>
+        <p:txBody>
+          <a:bodyPr/>
+          <a:lstStyle/>
+          <a:p>
+            <a:fld id="{8CBD757D-DE5A-4CD1-82FB-678E1CF7B585}" type="slidenum">
+              <a:rPr lang="en-US" smtClean="0"/>
+              <a:t>3</a:t>
+            </a:fld>
+            <a:endParaRPr lang="en-US"/>
+          </a:p>
+        </p:txBody>
+      </p:sp>
     </p:spTree>
+    <p:extLst>
+      <p:ext uri="{BB962C8B-B14F-4D97-AF65-F5344CB8AC3E}">
+        <p14:creationId xmlns:p14="http://schemas.microsoft.com/office/powerpoint/2010/main" val="1239406869"/>
+      </p:ext>
+    </p:extLst>
   </p:cSld>
   <p:clrMapOvr>
     <a:masterClrMapping/>
@@ -711,6 +774,31 @@
           <a:chExt cx="0" cy="0"/>
         </a:xfrm>
       </p:grpSpPr>
+    </p:spTree>
+  </p:cSld>
+  <p:clrMapOvr>
+    <a:masterClrMapping/>
+  </p:clrMapOvr>
+</p:notes>
+</file>
+
+<file path=ppt/notesSlides/notesSlide5.xml><?xml version="1.0" encoding="utf-8"?>
+<p:notes xmlns:a="http://schemas.openxmlformats.org/drawingml/2006/main" xmlns:r="http://schemas.openxmlformats.org/officeDocument/2006/relationships" xmlns:p="http://schemas.openxmlformats.org/presentationml/2006/main">
+  <p:cSld>
+    <p:spTree>
+      <p:nvGrpSpPr>
+        <p:cNvPr id="1" name=""/>
+        <p:cNvGrpSpPr/>
+        <p:nvPr/>
+      </p:nvGrpSpPr>
+      <p:grpSpPr>
+        <a:xfrm>
+          <a:off x="0" y="0"/>
+          <a:ext cx="0" cy="0"/>
+          <a:chOff x="0" y="0"/>
+          <a:chExt cx="0" cy="0"/>
+        </a:xfrm>
+      </p:grpSpPr>
       <p:sp>
         <p:nvSpPr>
           <p:cNvPr id="2" name="Slide Image Placeholder 1"/>
@@ -762,7 +850,7 @@
           <a:p>
             <a:fld id="{8CBD757D-DE5A-4CD1-82FB-678E1CF7B585}" type="slidenum">
               <a:rPr lang="en-US" smtClean="0"/>
-              <a:t>4</a:t>
+              <a:t>5</a:t>
             </a:fld>
             <a:endParaRPr lang="en-US"/>
           </a:p>
@@ -928,7 +1016,7 @@
           <a:p>
             <a:fld id="{CDEEAA9E-B205-4E3D-B322-3F4BE24D9928}" type="datetimeFigureOut">
               <a:rPr lang="en-US" smtClean="0"/>
-              <a:t>12/3/2020</a:t>
+              <a:t>2/10/2021</a:t>
             </a:fld>
             <a:endParaRPr lang="en-US"/>
           </a:p>
@@ -1126,7 +1214,7 @@
           <a:p>
             <a:fld id="{CDEEAA9E-B205-4E3D-B322-3F4BE24D9928}" type="datetimeFigureOut">
               <a:rPr lang="en-US" smtClean="0"/>
-              <a:t>12/3/2020</a:t>
+              <a:t>2/10/2021</a:t>
             </a:fld>
             <a:endParaRPr lang="en-US"/>
           </a:p>
@@ -1334,7 +1422,7 @@
           <a:p>
             <a:fld id="{CDEEAA9E-B205-4E3D-B322-3F4BE24D9928}" type="datetimeFigureOut">
               <a:rPr lang="en-US" smtClean="0"/>
-              <a:t>12/3/2020</a:t>
+              <a:t>2/10/2021</a:t>
             </a:fld>
             <a:endParaRPr lang="en-US"/>
           </a:p>
@@ -1532,7 +1620,7 @@
           <a:p>
             <a:fld id="{CDEEAA9E-B205-4E3D-B322-3F4BE24D9928}" type="datetimeFigureOut">
               <a:rPr lang="en-US" smtClean="0"/>
-              <a:t>12/3/2020</a:t>
+              <a:t>2/10/2021</a:t>
             </a:fld>
             <a:endParaRPr lang="en-US"/>
           </a:p>
@@ -1807,7 +1895,7 @@
           <a:p>
             <a:fld id="{CDEEAA9E-B205-4E3D-B322-3F4BE24D9928}" type="datetimeFigureOut">
               <a:rPr lang="en-US" smtClean="0"/>
-              <a:t>12/3/2020</a:t>
+              <a:t>2/10/2021</a:t>
             </a:fld>
             <a:endParaRPr lang="en-US"/>
           </a:p>
@@ -2072,7 +2160,7 @@
           <a:p>
             <a:fld id="{CDEEAA9E-B205-4E3D-B322-3F4BE24D9928}" type="datetimeFigureOut">
               <a:rPr lang="en-US" smtClean="0"/>
-              <a:t>12/3/2020</a:t>
+              <a:t>2/10/2021</a:t>
             </a:fld>
             <a:endParaRPr lang="en-US"/>
           </a:p>
@@ -2484,7 +2572,7 @@
           <a:p>
             <a:fld id="{CDEEAA9E-B205-4E3D-B322-3F4BE24D9928}" type="datetimeFigureOut">
               <a:rPr lang="en-US" smtClean="0"/>
-              <a:t>12/3/2020</a:t>
+              <a:t>2/10/2021</a:t>
             </a:fld>
             <a:endParaRPr lang="en-US"/>
           </a:p>
@@ -2625,7 +2713,7 @@
           <a:p>
             <a:fld id="{CDEEAA9E-B205-4E3D-B322-3F4BE24D9928}" type="datetimeFigureOut">
               <a:rPr lang="en-US" smtClean="0"/>
-              <a:t>12/3/2020</a:t>
+              <a:t>2/10/2021</a:t>
             </a:fld>
             <a:endParaRPr lang="en-US"/>
           </a:p>
@@ -2738,7 +2826,7 @@
           <a:p>
             <a:fld id="{CDEEAA9E-B205-4E3D-B322-3F4BE24D9928}" type="datetimeFigureOut">
               <a:rPr lang="en-US" smtClean="0"/>
-              <a:t>12/3/2020</a:t>
+              <a:t>2/10/2021</a:t>
             </a:fld>
             <a:endParaRPr lang="en-US"/>
           </a:p>
@@ -3049,7 +3137,7 @@
           <a:p>
             <a:fld id="{CDEEAA9E-B205-4E3D-B322-3F4BE24D9928}" type="datetimeFigureOut">
               <a:rPr lang="en-US" smtClean="0"/>
-              <a:t>12/3/2020</a:t>
+              <a:t>2/10/2021</a:t>
             </a:fld>
             <a:endParaRPr lang="en-US"/>
           </a:p>
@@ -3337,7 +3425,7 @@
           <a:p>
             <a:fld id="{CDEEAA9E-B205-4E3D-B322-3F4BE24D9928}" type="datetimeFigureOut">
               <a:rPr lang="en-US" smtClean="0"/>
-              <a:t>12/3/2020</a:t>
+              <a:t>2/10/2021</a:t>
             </a:fld>
             <a:endParaRPr lang="en-US"/>
           </a:p>
@@ -3578,7 +3666,7 @@
           <a:p>
             <a:fld id="{CDEEAA9E-B205-4E3D-B322-3F4BE24D9928}" type="datetimeFigureOut">
               <a:rPr lang="en-US" smtClean="0"/>
-              <a:t>12/3/2020</a:t>
+              <a:t>2/10/2021</a:t>
             </a:fld>
             <a:endParaRPr lang="en-US"/>
           </a:p>
@@ -4869,6 +4957,470 @@
 </file>
 
 <file path=ppt/slides/slide3.xml><?xml version="1.0" encoding="utf-8"?>
+<p:sld xmlns:a="http://schemas.openxmlformats.org/drawingml/2006/main" xmlns:r="http://schemas.openxmlformats.org/officeDocument/2006/relationships" xmlns:p="http://schemas.openxmlformats.org/presentationml/2006/main">
+  <p:cSld>
+    <p:spTree>
+      <p:nvGrpSpPr>
+        <p:cNvPr id="1" name=""/>
+        <p:cNvGrpSpPr/>
+        <p:nvPr/>
+      </p:nvGrpSpPr>
+      <p:grpSpPr>
+        <a:xfrm>
+          <a:off x="0" y="0"/>
+          <a:ext cx="0" cy="0"/>
+          <a:chOff x="0" y="0"/>
+          <a:chExt cx="0" cy="0"/>
+        </a:xfrm>
+      </p:grpSpPr>
+      <p:sp>
+        <p:nvSpPr>
+          <p:cNvPr id="19" name="Title 1">
+            <a:extLst>
+              <a:ext uri="{FF2B5EF4-FFF2-40B4-BE49-F238E27FC236}">
+                <a16:creationId xmlns:a16="http://schemas.microsoft.com/office/drawing/2014/main" id="{1145B1FC-8B5F-4A10-B215-C60705EDF134}"/>
+              </a:ext>
+            </a:extLst>
+          </p:cNvPr>
+          <p:cNvSpPr txBox="1">
+            <a:spLocks/>
+          </p:cNvSpPr>
+          <p:nvPr/>
+        </p:nvSpPr>
+        <p:spPr>
+          <a:xfrm>
+            <a:off x="783124" y="25482"/>
+            <a:ext cx="10772775" cy="961277"/>
+          </a:xfrm>
+          <a:prstGeom prst="rect">
+            <a:avLst/>
+          </a:prstGeom>
+        </p:spPr>
+        <p:txBody>
+          <a:bodyPr vert="horz" lIns="91440" tIns="45720" rIns="91440" bIns="45720" rtlCol="0" anchor="ctr">
+            <a:normAutofit/>
+          </a:bodyPr>
+          <a:lstStyle>
+            <a:lvl1pPr algn="l" defTabSz="914400" rtl="0" eaLnBrk="1" latinLnBrk="0" hangingPunct="1">
+              <a:lnSpc>
+                <a:spcPct val="90000"/>
+              </a:lnSpc>
+              <a:spcBef>
+                <a:spcPct val="0"/>
+              </a:spcBef>
+              <a:buNone/>
+              <a:defRPr sz="4400" kern="1200">
+                <a:solidFill>
+                  <a:schemeClr val="tx1"/>
+                </a:solidFill>
+                <a:latin typeface="+mj-lt"/>
+                <a:ea typeface="+mj-ea"/>
+                <a:cs typeface="+mj-cs"/>
+              </a:defRPr>
+            </a:lvl1pPr>
+          </a:lstStyle>
+          <a:p>
+            <a:pPr algn="ctr"/>
+            <a:r>
+              <a:rPr lang="en-US" b="1" dirty="0">
+                <a:solidFill>
+                  <a:schemeClr val="accent1">
+                    <a:lumMod val="75000"/>
+                  </a:schemeClr>
+                </a:solidFill>
+                <a:latin typeface="+mn-lt"/>
+              </a:rPr>
+              <a:t>Teaser</a:t>
+            </a:r>
+          </a:p>
+        </p:txBody>
+      </p:sp>
+      <p:grpSp>
+        <p:nvGrpSpPr>
+          <p:cNvPr id="3" name="Group 2">
+            <a:extLst>
+              <a:ext uri="{FF2B5EF4-FFF2-40B4-BE49-F238E27FC236}">
+                <a16:creationId xmlns:a16="http://schemas.microsoft.com/office/drawing/2014/main" id="{92BC3A75-1872-4D3C-8180-BE63699920B6}"/>
+              </a:ext>
+            </a:extLst>
+          </p:cNvPr>
+          <p:cNvGrpSpPr/>
+          <p:nvPr/>
+        </p:nvGrpSpPr>
+        <p:grpSpPr>
+          <a:xfrm>
+            <a:off x="707667" y="1050927"/>
+            <a:ext cx="10776665" cy="4145954"/>
+            <a:chOff x="707667" y="1050927"/>
+            <a:chExt cx="10776665" cy="4145954"/>
+          </a:xfrm>
+        </p:grpSpPr>
+        <p:pic>
+          <p:nvPicPr>
+            <p:cNvPr id="11" name="Picture 10" descr="Text&#10;&#10;Description automatically generated">
+              <a:extLst>
+                <a:ext uri="{FF2B5EF4-FFF2-40B4-BE49-F238E27FC236}">
+                  <a16:creationId xmlns:a16="http://schemas.microsoft.com/office/drawing/2014/main" id="{010F9026-7477-4D40-B71D-14ABAE4D71A4}"/>
+                </a:ext>
+              </a:extLst>
+            </p:cNvPr>
+            <p:cNvPicPr>
+              <a:picLocks noChangeAspect="1"/>
+            </p:cNvPicPr>
+            <p:nvPr/>
+          </p:nvPicPr>
+          <p:blipFill>
+            <a:blip r:embed="rId3">
+              <a:extLst>
+                <a:ext uri="{28A0092B-C50C-407E-A947-70E740481C1C}">
+                  <a14:useLocalDpi xmlns:a14="http://schemas.microsoft.com/office/drawing/2010/main" val="0"/>
+                </a:ext>
+              </a:extLst>
+            </a:blip>
+            <a:stretch>
+              <a:fillRect/>
+            </a:stretch>
+          </p:blipFill>
+          <p:spPr>
+            <a:xfrm>
+              <a:off x="707667" y="1050927"/>
+              <a:ext cx="10776665" cy="4145954"/>
+            </a:xfrm>
+            <a:prstGeom prst="roundRect">
+              <a:avLst>
+                <a:gd name="adj" fmla="val 3789"/>
+              </a:avLst>
+            </a:prstGeom>
+            <a:ln>
+              <a:solidFill>
+                <a:schemeClr val="accent3"/>
+              </a:solidFill>
+            </a:ln>
+          </p:spPr>
+        </p:pic>
+        <p:sp>
+          <p:nvSpPr>
+            <p:cNvPr id="15" name="Arrow: Right 14">
+              <a:extLst>
+                <a:ext uri="{FF2B5EF4-FFF2-40B4-BE49-F238E27FC236}">
+                  <a16:creationId xmlns:a16="http://schemas.microsoft.com/office/drawing/2014/main" id="{B63E8BC5-9B22-4579-9F63-245382145BB7}"/>
+                </a:ext>
+              </a:extLst>
+            </p:cNvPr>
+            <p:cNvSpPr/>
+            <p:nvPr/>
+          </p:nvSpPr>
+          <p:spPr>
+            <a:xfrm>
+              <a:off x="10211507" y="1280245"/>
+              <a:ext cx="561474" cy="140948"/>
+            </a:xfrm>
+            <a:prstGeom prst="rightArrow">
+              <a:avLst/>
+            </a:prstGeom>
+          </p:spPr>
+          <p:style>
+            <a:lnRef idx="3">
+              <a:schemeClr val="lt1"/>
+            </a:lnRef>
+            <a:fillRef idx="1">
+              <a:schemeClr val="accent3"/>
+            </a:fillRef>
+            <a:effectRef idx="1">
+              <a:schemeClr val="accent3"/>
+            </a:effectRef>
+            <a:fontRef idx="minor">
+              <a:schemeClr val="lt1"/>
+            </a:fontRef>
+          </p:style>
+          <p:txBody>
+            <a:bodyPr rtlCol="0" anchor="ctr"/>
+            <a:lstStyle/>
+            <a:p>
+              <a:pPr algn="ctr"/>
+              <a:endParaRPr lang="en-US" dirty="0"/>
+            </a:p>
+          </p:txBody>
+        </p:sp>
+        <p:sp>
+          <p:nvSpPr>
+            <p:cNvPr id="17" name="TextBox 16">
+              <a:extLst>
+                <a:ext uri="{FF2B5EF4-FFF2-40B4-BE49-F238E27FC236}">
+                  <a16:creationId xmlns:a16="http://schemas.microsoft.com/office/drawing/2014/main" id="{9CF6A875-093E-499A-A13A-C615BF864544}"/>
+                </a:ext>
+              </a:extLst>
+            </p:cNvPr>
+            <p:cNvSpPr txBox="1"/>
+            <p:nvPr/>
+          </p:nvSpPr>
+          <p:spPr>
+            <a:xfrm>
+              <a:off x="8873211" y="1181442"/>
+              <a:ext cx="1411705" cy="338554"/>
+            </a:xfrm>
+            <a:prstGeom prst="rect">
+              <a:avLst/>
+            </a:prstGeom>
+            <a:noFill/>
+          </p:spPr>
+          <p:txBody>
+            <a:bodyPr wrap="square" rtlCol="0">
+              <a:spAutoFit/>
+            </a:bodyPr>
+            <a:lstStyle/>
+            <a:p>
+              <a:r>
+                <a:rPr lang="en-US" sz="1600" dirty="0">
+                  <a:ln w="0">
+                    <a:solidFill>
+                      <a:schemeClr val="bg1"/>
+                    </a:solidFill>
+                  </a:ln>
+                  <a:solidFill>
+                    <a:schemeClr val="accent3">
+                      <a:lumMod val="20000"/>
+                      <a:lumOff val="80000"/>
+                    </a:schemeClr>
+                  </a:solidFill>
+                  <a:effectLst>
+                    <a:outerShdw blurRad="38100" dist="19050" dir="2700000" algn="tl" rotWithShape="0">
+                      <a:schemeClr val="dk1">
+                        <a:alpha val="40000"/>
+                      </a:schemeClr>
+                    </a:outerShdw>
+                  </a:effectLst>
+                </a:rPr>
+                <a:t>Refine Model</a:t>
+              </a:r>
+            </a:p>
+          </p:txBody>
+        </p:sp>
+        <p:sp>
+          <p:nvSpPr>
+            <p:cNvPr id="18" name="Rectangle 17">
+              <a:extLst>
+                <a:ext uri="{FF2B5EF4-FFF2-40B4-BE49-F238E27FC236}">
+                  <a16:creationId xmlns:a16="http://schemas.microsoft.com/office/drawing/2014/main" id="{135CFC1E-DBFC-430E-882F-62CFBAC8C3F5}"/>
+                </a:ext>
+              </a:extLst>
+            </p:cNvPr>
+            <p:cNvSpPr/>
+            <p:nvPr/>
+          </p:nvSpPr>
+          <p:spPr>
+            <a:xfrm>
+              <a:off x="10835684" y="1239581"/>
+              <a:ext cx="256032" cy="228600"/>
+            </a:xfrm>
+            <a:prstGeom prst="rect">
+              <a:avLst/>
+            </a:prstGeom>
+            <a:noFill/>
+            <a:ln w="19050" cap="flat" cmpd="sng" algn="ctr">
+              <a:solidFill>
+                <a:schemeClr val="accent3">
+                  <a:lumMod val="75000"/>
+                </a:schemeClr>
+              </a:solidFill>
+              <a:prstDash val="dash"/>
+              <a:round/>
+              <a:headEnd type="none" w="med" len="med"/>
+              <a:tailEnd type="none" w="med" len="med"/>
+            </a:ln>
+          </p:spPr>
+          <p:style>
+            <a:lnRef idx="0">
+              <a:scrgbClr r="0" g="0" b="0"/>
+            </a:lnRef>
+            <a:fillRef idx="0">
+              <a:scrgbClr r="0" g="0" b="0"/>
+            </a:fillRef>
+            <a:effectRef idx="0">
+              <a:scrgbClr r="0" g="0" b="0"/>
+            </a:effectRef>
+            <a:fontRef idx="minor">
+              <a:schemeClr val="dk1"/>
+            </a:fontRef>
+          </p:style>
+          <p:txBody>
+            <a:bodyPr rtlCol="0" anchor="ctr"/>
+            <a:lstStyle/>
+            <a:p>
+              <a:pPr algn="ctr"/>
+              <a:endParaRPr lang="en-US" dirty="0"/>
+            </a:p>
+          </p:txBody>
+        </p:sp>
+        <p:sp>
+          <p:nvSpPr>
+            <p:cNvPr id="16" name="Arrow: Right 15">
+              <a:extLst>
+                <a:ext uri="{FF2B5EF4-FFF2-40B4-BE49-F238E27FC236}">
+                  <a16:creationId xmlns:a16="http://schemas.microsoft.com/office/drawing/2014/main" id="{E4118564-3A29-4DA4-B0AF-8B73699D97AF}"/>
+                </a:ext>
+              </a:extLst>
+            </p:cNvPr>
+            <p:cNvSpPr/>
+            <p:nvPr/>
+          </p:nvSpPr>
+          <p:spPr>
+            <a:xfrm rot="20246643">
+              <a:off x="10635156" y="1556056"/>
+              <a:ext cx="561474" cy="152400"/>
+            </a:xfrm>
+            <a:prstGeom prst="rightArrow">
+              <a:avLst/>
+            </a:prstGeom>
+          </p:spPr>
+          <p:style>
+            <a:lnRef idx="3">
+              <a:schemeClr val="lt1"/>
+            </a:lnRef>
+            <a:fillRef idx="1">
+              <a:schemeClr val="accent3"/>
+            </a:fillRef>
+            <a:effectRef idx="1">
+              <a:schemeClr val="accent3"/>
+            </a:effectRef>
+            <a:fontRef idx="minor">
+              <a:schemeClr val="lt1"/>
+            </a:fontRef>
+          </p:style>
+          <p:txBody>
+            <a:bodyPr rtlCol="0" anchor="ctr"/>
+            <a:lstStyle/>
+            <a:p>
+              <a:pPr algn="ctr"/>
+              <a:endParaRPr lang="en-US" dirty="0"/>
+            </a:p>
+          </p:txBody>
+        </p:sp>
+        <p:sp>
+          <p:nvSpPr>
+            <p:cNvPr id="20" name="Rectangle 19">
+              <a:extLst>
+                <a:ext uri="{FF2B5EF4-FFF2-40B4-BE49-F238E27FC236}">
+                  <a16:creationId xmlns:a16="http://schemas.microsoft.com/office/drawing/2014/main" id="{1F874A9E-3A74-4B1A-A85B-1DBD2676BD42}"/>
+                </a:ext>
+              </a:extLst>
+            </p:cNvPr>
+            <p:cNvSpPr/>
+            <p:nvPr/>
+          </p:nvSpPr>
+          <p:spPr>
+            <a:xfrm>
+              <a:off x="11147596" y="1241481"/>
+              <a:ext cx="256032" cy="228600"/>
+            </a:xfrm>
+            <a:prstGeom prst="rect">
+              <a:avLst/>
+            </a:prstGeom>
+            <a:noFill/>
+            <a:ln w="19050" cap="flat" cmpd="sng" algn="ctr">
+              <a:solidFill>
+                <a:schemeClr val="accent3">
+                  <a:lumMod val="75000"/>
+                </a:schemeClr>
+              </a:solidFill>
+              <a:prstDash val="dash"/>
+              <a:round/>
+              <a:headEnd type="none" w="med" len="med"/>
+              <a:tailEnd type="none" w="med" len="med"/>
+            </a:ln>
+          </p:spPr>
+          <p:style>
+            <a:lnRef idx="0">
+              <a:scrgbClr r="0" g="0" b="0"/>
+            </a:lnRef>
+            <a:fillRef idx="0">
+              <a:scrgbClr r="0" g="0" b="0"/>
+            </a:fillRef>
+            <a:effectRef idx="0">
+              <a:scrgbClr r="0" g="0" b="0"/>
+            </a:effectRef>
+            <a:fontRef idx="minor">
+              <a:schemeClr val="dk1"/>
+            </a:fontRef>
+          </p:style>
+          <p:txBody>
+            <a:bodyPr rtlCol="0" anchor="ctr"/>
+            <a:lstStyle/>
+            <a:p>
+              <a:pPr algn="ctr"/>
+              <a:endParaRPr lang="en-US" dirty="0"/>
+            </a:p>
+          </p:txBody>
+        </p:sp>
+        <p:sp>
+          <p:nvSpPr>
+            <p:cNvPr id="21" name="TextBox 20">
+              <a:extLst>
+                <a:ext uri="{FF2B5EF4-FFF2-40B4-BE49-F238E27FC236}">
+                  <a16:creationId xmlns:a16="http://schemas.microsoft.com/office/drawing/2014/main" id="{F8517B0A-45F7-468F-B5B5-DA534F8B15D9}"/>
+                </a:ext>
+              </a:extLst>
+            </p:cNvPr>
+            <p:cNvSpPr txBox="1"/>
+            <p:nvPr/>
+          </p:nvSpPr>
+          <p:spPr>
+            <a:xfrm>
+              <a:off x="9495260" y="1551837"/>
+              <a:ext cx="1411705" cy="338554"/>
+            </a:xfrm>
+            <a:prstGeom prst="rect">
+              <a:avLst/>
+            </a:prstGeom>
+            <a:noFill/>
+          </p:spPr>
+          <p:txBody>
+            <a:bodyPr wrap="square" rtlCol="0">
+              <a:spAutoFit/>
+            </a:bodyPr>
+            <a:lstStyle/>
+            <a:p>
+              <a:r>
+                <a:rPr lang="en-US" sz="1600" dirty="0">
+                  <a:ln w="0">
+                    <a:solidFill>
+                      <a:schemeClr val="bg1"/>
+                    </a:solidFill>
+                  </a:ln>
+                  <a:solidFill>
+                    <a:schemeClr val="accent3">
+                      <a:lumMod val="20000"/>
+                      <a:lumOff val="80000"/>
+                    </a:schemeClr>
+                  </a:solidFill>
+                  <a:effectLst>
+                    <a:outerShdw blurRad="38100" dist="19050" dir="2700000" algn="tl" rotWithShape="0">
+                      <a:schemeClr val="dk1">
+                        <a:alpha val="40000"/>
+                      </a:schemeClr>
+                    </a:outerShdw>
+                  </a:effectLst>
+                </a:rPr>
+                <a:t>Preferences</a:t>
+              </a:r>
+            </a:p>
+          </p:txBody>
+        </p:sp>
+      </p:grpSp>
+    </p:spTree>
+    <p:extLst>
+      <p:ext uri="{BB962C8B-B14F-4D97-AF65-F5344CB8AC3E}">
+        <p14:creationId xmlns:p14="http://schemas.microsoft.com/office/powerpoint/2010/main" val="1166188157"/>
+      </p:ext>
+    </p:extLst>
+  </p:cSld>
+  <p:clrMapOvr>
+    <a:masterClrMapping/>
+  </p:clrMapOvr>
+</p:sld>
+</file>
+
+<file path=ppt/slides/slide4.xml><?xml version="1.0" encoding="utf-8"?>
 <p:sld xmlns:a="http://schemas.openxmlformats.org/drawingml/2006/main" xmlns:r="http://schemas.openxmlformats.org/officeDocument/2006/relationships" xmlns:p="http://schemas.openxmlformats.org/presentationml/2006/main">
   <p:cSld>
     <p:spTree>
@@ -5907,7 +6459,7 @@
 </p:sld>
 </file>
 
-<file path=ppt/slides/slide4.xml><?xml version="1.0" encoding="utf-8"?>
+<file path=ppt/slides/slide5.xml><?xml version="1.0" encoding="utf-8"?>
 <p:sld xmlns:a="http://schemas.openxmlformats.org/drawingml/2006/main" xmlns:r="http://schemas.openxmlformats.org/officeDocument/2006/relationships" xmlns:p="http://schemas.openxmlformats.org/presentationml/2006/main">
   <p:cSld>
     <p:spTree>
@@ -6076,7 +6628,7 @@
 </p:sld>
 </file>
 
-<file path=ppt/slides/slide5.xml><?xml version="1.0" encoding="utf-8"?>
+<file path=ppt/slides/slide6.xml><?xml version="1.0" encoding="utf-8"?>
 <p:sld xmlns:a="http://schemas.openxmlformats.org/drawingml/2006/main" xmlns:r="http://schemas.openxmlformats.org/officeDocument/2006/relationships" xmlns:p="http://schemas.openxmlformats.org/presentationml/2006/main">
   <p:cSld>
     <p:spTree>

--- a/pic/pictures.pptx
+++ b/pic/pictures.pptx
@@ -202,7 +202,7 @@
           <a:p>
             <a:fld id="{6DE9E842-1B71-4FDF-8546-7CFAC534C405}" type="datetimeFigureOut">
               <a:rPr lang="en-US" smtClean="0"/>
-              <a:t>2/10/2021</a:t>
+              <a:t>4/14/2021</a:t>
             </a:fld>
             <a:endParaRPr lang="en-US"/>
           </a:p>
@@ -1016,7 +1016,7 @@
           <a:p>
             <a:fld id="{CDEEAA9E-B205-4E3D-B322-3F4BE24D9928}" type="datetimeFigureOut">
               <a:rPr lang="en-US" smtClean="0"/>
-              <a:t>2/10/2021</a:t>
+              <a:t>4/14/2021</a:t>
             </a:fld>
             <a:endParaRPr lang="en-US"/>
           </a:p>
@@ -1214,7 +1214,7 @@
           <a:p>
             <a:fld id="{CDEEAA9E-B205-4E3D-B322-3F4BE24D9928}" type="datetimeFigureOut">
               <a:rPr lang="en-US" smtClean="0"/>
-              <a:t>2/10/2021</a:t>
+              <a:t>4/14/2021</a:t>
             </a:fld>
             <a:endParaRPr lang="en-US"/>
           </a:p>
@@ -1422,7 +1422,7 @@
           <a:p>
             <a:fld id="{CDEEAA9E-B205-4E3D-B322-3F4BE24D9928}" type="datetimeFigureOut">
               <a:rPr lang="en-US" smtClean="0"/>
-              <a:t>2/10/2021</a:t>
+              <a:t>4/14/2021</a:t>
             </a:fld>
             <a:endParaRPr lang="en-US"/>
           </a:p>
@@ -1620,7 +1620,7 @@
           <a:p>
             <a:fld id="{CDEEAA9E-B205-4E3D-B322-3F4BE24D9928}" type="datetimeFigureOut">
               <a:rPr lang="en-US" smtClean="0"/>
-              <a:t>2/10/2021</a:t>
+              <a:t>4/14/2021</a:t>
             </a:fld>
             <a:endParaRPr lang="en-US"/>
           </a:p>
@@ -1895,7 +1895,7 @@
           <a:p>
             <a:fld id="{CDEEAA9E-B205-4E3D-B322-3F4BE24D9928}" type="datetimeFigureOut">
               <a:rPr lang="en-US" smtClean="0"/>
-              <a:t>2/10/2021</a:t>
+              <a:t>4/14/2021</a:t>
             </a:fld>
             <a:endParaRPr lang="en-US"/>
           </a:p>
@@ -2160,7 +2160,7 @@
           <a:p>
             <a:fld id="{CDEEAA9E-B205-4E3D-B322-3F4BE24D9928}" type="datetimeFigureOut">
               <a:rPr lang="en-US" smtClean="0"/>
-              <a:t>2/10/2021</a:t>
+              <a:t>4/14/2021</a:t>
             </a:fld>
             <a:endParaRPr lang="en-US"/>
           </a:p>
@@ -2572,7 +2572,7 @@
           <a:p>
             <a:fld id="{CDEEAA9E-B205-4E3D-B322-3F4BE24D9928}" type="datetimeFigureOut">
               <a:rPr lang="en-US" smtClean="0"/>
-              <a:t>2/10/2021</a:t>
+              <a:t>4/14/2021</a:t>
             </a:fld>
             <a:endParaRPr lang="en-US"/>
           </a:p>
@@ -2713,7 +2713,7 @@
           <a:p>
             <a:fld id="{CDEEAA9E-B205-4E3D-B322-3F4BE24D9928}" type="datetimeFigureOut">
               <a:rPr lang="en-US" smtClean="0"/>
-              <a:t>2/10/2021</a:t>
+              <a:t>4/14/2021</a:t>
             </a:fld>
             <a:endParaRPr lang="en-US"/>
           </a:p>
@@ -2826,7 +2826,7 @@
           <a:p>
             <a:fld id="{CDEEAA9E-B205-4E3D-B322-3F4BE24D9928}" type="datetimeFigureOut">
               <a:rPr lang="en-US" smtClean="0"/>
-              <a:t>2/10/2021</a:t>
+              <a:t>4/14/2021</a:t>
             </a:fld>
             <a:endParaRPr lang="en-US"/>
           </a:p>
@@ -3137,7 +3137,7 @@
           <a:p>
             <a:fld id="{CDEEAA9E-B205-4E3D-B322-3F4BE24D9928}" type="datetimeFigureOut">
               <a:rPr lang="en-US" smtClean="0"/>
-              <a:t>2/10/2021</a:t>
+              <a:t>4/14/2021</a:t>
             </a:fld>
             <a:endParaRPr lang="en-US"/>
           </a:p>
@@ -3425,7 +3425,7 @@
           <a:p>
             <a:fld id="{CDEEAA9E-B205-4E3D-B322-3F4BE24D9928}" type="datetimeFigureOut">
               <a:rPr lang="en-US" smtClean="0"/>
-              <a:t>2/10/2021</a:t>
+              <a:t>4/14/2021</a:t>
             </a:fld>
             <a:endParaRPr lang="en-US"/>
           </a:p>
@@ -3666,7 +3666,7 @@
           <a:p>
             <a:fld id="{CDEEAA9E-B205-4E3D-B322-3F4BE24D9928}" type="datetimeFigureOut">
               <a:rPr lang="en-US" smtClean="0"/>
-              <a:t>2/10/2021</a:t>
+              <a:t>4/14/2021</a:t>
             </a:fld>
             <a:endParaRPr lang="en-US"/>
           </a:p>
@@ -4363,119 +4363,11 @@
                 </a:solidFill>
                 <a:latin typeface="+mn-lt"/>
               </a:rPr>
-              <a:t>Fluent: An AI Augmented Writing Platform for People with Speaking difficulties</a:t>
-            </a:r>
-          </a:p>
-        </p:txBody>
-      </p:sp>
-      <p:sp>
-        <p:nvSpPr>
-          <p:cNvPr id="3" name="Subtitle 2">
-            <a:extLst>
-              <a:ext uri="{FF2B5EF4-FFF2-40B4-BE49-F238E27FC236}">
-                <a16:creationId xmlns:a16="http://schemas.microsoft.com/office/drawing/2014/main" id="{90210D49-0129-4694-B179-242FE1B32B53}"/>
-              </a:ext>
-            </a:extLst>
-          </p:cNvPr>
-          <p:cNvSpPr>
-            <a:spLocks noGrp="1"/>
-          </p:cNvSpPr>
-          <p:nvPr>
-            <p:ph type="subTitle" idx="1"/>
-          </p:nvPr>
-        </p:nvSpPr>
-        <p:spPr>
-          <a:xfrm>
-            <a:off x="1171575" y="4473360"/>
-            <a:ext cx="9469211" cy="865639"/>
-          </a:xfrm>
-        </p:spPr>
-        <p:txBody>
-          <a:bodyPr anchor="ctr">
-            <a:noAutofit/>
-          </a:bodyPr>
-          <a:lstStyle/>
-          <a:p>
-            <a:r>
-              <a:rPr lang="en-US" b="1" dirty="0">
-                <a:solidFill>
-                  <a:srgbClr val="000000"/>
-                </a:solidFill>
-              </a:rPr>
-              <a:t>Bhavya Ghai</a:t>
-            </a:r>
-            <a:r>
-              <a:rPr lang="en-US" dirty="0">
-                <a:solidFill>
-                  <a:srgbClr val="000000"/>
-                </a:solidFill>
-              </a:rPr>
-              <a:t>, Klaus Mueller</a:t>
-            </a:r>
-            <a:endParaRPr lang="en-US" baseline="30000" dirty="0">
-              <a:solidFill>
-                <a:srgbClr val="000000"/>
-              </a:solidFill>
-            </a:endParaRPr>
-          </a:p>
-          <a:p>
-            <a:r>
-              <a:rPr lang="en-US" dirty="0">
-                <a:solidFill>
-                  <a:srgbClr val="000000"/>
-                </a:solidFill>
-              </a:rPr>
-              <a:t>Department of Computer Science</a:t>
-            </a:r>
-          </a:p>
-          <a:p>
-            <a:r>
-              <a:rPr lang="en-US" dirty="0">
-                <a:solidFill>
-                  <a:srgbClr val="000000"/>
-                </a:solidFill>
-              </a:rPr>
-              <a:t>Stony Brook University</a:t>
-            </a:r>
-          </a:p>
-        </p:txBody>
-      </p:sp>
-      <p:pic>
-        <p:nvPicPr>
-          <p:cNvPr id="8" name="Picture 7" descr="A picture containing object&#10;&#10;Description generated with very high confidence">
-            <a:extLst>
-              <a:ext uri="{FF2B5EF4-FFF2-40B4-BE49-F238E27FC236}">
-                <a16:creationId xmlns:a16="http://schemas.microsoft.com/office/drawing/2014/main" id="{1BB0C04E-CD34-4BED-9AB9-9074FA85EA54}"/>
-              </a:ext>
-            </a:extLst>
-          </p:cNvPr>
-          <p:cNvPicPr>
-            <a:picLocks noChangeAspect="1"/>
-          </p:cNvPicPr>
-          <p:nvPr/>
-        </p:nvPicPr>
-        <p:blipFill>
-          <a:blip r:embed="rId4">
-            <a:extLst>
-              <a:ext uri="{28A0092B-C50C-407E-A947-70E740481C1C}">
-                <a14:useLocalDpi xmlns:a14="http://schemas.microsoft.com/office/drawing/2010/main" val="0"/>
-              </a:ext>
-            </a:extLst>
-          </a:blip>
-          <a:stretch>
-            <a:fillRect/>
-          </a:stretch>
-        </p:blipFill>
-        <p:spPr>
-          <a:xfrm>
-            <a:off x="8372134" y="6098721"/>
-            <a:ext cx="3670686" cy="641630"/>
-          </a:xfrm>
-          <a:prstGeom prst="rect">
-            <a:avLst/>
-          </a:prstGeom>
-        </p:spPr>
-      </p:pic>
+              <a:t>Fluent: An AI Augmented Writing Tool for People who Stutter</a:t>
+            </a:r>
+          </a:p>
+        </p:txBody>
+      </p:sp>
     </p:spTree>
     <p:extLst>
       <p:ext uri="{BB962C8B-B14F-4D97-AF65-F5344CB8AC3E}">

--- a/pic/pictures.pptx
+++ b/pic/pictures.pptx
@@ -5,7 +5,7 @@
     <p:sldMasterId id="2147483672" r:id="rId1"/>
   </p:sldMasterIdLst>
   <p:notesMasterIdLst>
-    <p:notesMasterId r:id="rId8"/>
+    <p:notesMasterId r:id="rId9"/>
   </p:notesMasterIdLst>
   <p:sldIdLst>
     <p:sldId id="256" r:id="rId2"/>
@@ -14,6 +14,7 @@
     <p:sldId id="346" r:id="rId5"/>
     <p:sldId id="347" r:id="rId6"/>
     <p:sldId id="348" r:id="rId7"/>
+    <p:sldId id="351" r:id="rId8"/>
   </p:sldIdLst>
   <p:sldSz cx="12192000" cy="6858000"/>
   <p:notesSz cx="6858000" cy="9144000"/>
@@ -202,7 +203,7 @@
           <a:p>
             <a:fld id="{6DE9E842-1B71-4FDF-8546-7CFAC534C405}" type="datetimeFigureOut">
               <a:rPr lang="en-US" smtClean="0"/>
-              <a:t>4/14/2021</a:t>
+              <a:t>6/15/2021</a:t>
             </a:fld>
             <a:endParaRPr lang="en-US"/>
           </a:p>
@@ -1016,7 +1017,7 @@
           <a:p>
             <a:fld id="{CDEEAA9E-B205-4E3D-B322-3F4BE24D9928}" type="datetimeFigureOut">
               <a:rPr lang="en-US" smtClean="0"/>
-              <a:t>4/14/2021</a:t>
+              <a:t>6/15/2021</a:t>
             </a:fld>
             <a:endParaRPr lang="en-US"/>
           </a:p>
@@ -1214,7 +1215,7 @@
           <a:p>
             <a:fld id="{CDEEAA9E-B205-4E3D-B322-3F4BE24D9928}" type="datetimeFigureOut">
               <a:rPr lang="en-US" smtClean="0"/>
-              <a:t>4/14/2021</a:t>
+              <a:t>6/15/2021</a:t>
             </a:fld>
             <a:endParaRPr lang="en-US"/>
           </a:p>
@@ -1422,7 +1423,7 @@
           <a:p>
             <a:fld id="{CDEEAA9E-B205-4E3D-B322-3F4BE24D9928}" type="datetimeFigureOut">
               <a:rPr lang="en-US" smtClean="0"/>
-              <a:t>4/14/2021</a:t>
+              <a:t>6/15/2021</a:t>
             </a:fld>
             <a:endParaRPr lang="en-US"/>
           </a:p>
@@ -1620,7 +1621,7 @@
           <a:p>
             <a:fld id="{CDEEAA9E-B205-4E3D-B322-3F4BE24D9928}" type="datetimeFigureOut">
               <a:rPr lang="en-US" smtClean="0"/>
-              <a:t>4/14/2021</a:t>
+              <a:t>6/15/2021</a:t>
             </a:fld>
             <a:endParaRPr lang="en-US"/>
           </a:p>
@@ -1895,7 +1896,7 @@
           <a:p>
             <a:fld id="{CDEEAA9E-B205-4E3D-B322-3F4BE24D9928}" type="datetimeFigureOut">
               <a:rPr lang="en-US" smtClean="0"/>
-              <a:t>4/14/2021</a:t>
+              <a:t>6/15/2021</a:t>
             </a:fld>
             <a:endParaRPr lang="en-US"/>
           </a:p>
@@ -2160,7 +2161,7 @@
           <a:p>
             <a:fld id="{CDEEAA9E-B205-4E3D-B322-3F4BE24D9928}" type="datetimeFigureOut">
               <a:rPr lang="en-US" smtClean="0"/>
-              <a:t>4/14/2021</a:t>
+              <a:t>6/15/2021</a:t>
             </a:fld>
             <a:endParaRPr lang="en-US"/>
           </a:p>
@@ -2572,7 +2573,7 @@
           <a:p>
             <a:fld id="{CDEEAA9E-B205-4E3D-B322-3F4BE24D9928}" type="datetimeFigureOut">
               <a:rPr lang="en-US" smtClean="0"/>
-              <a:t>4/14/2021</a:t>
+              <a:t>6/15/2021</a:t>
             </a:fld>
             <a:endParaRPr lang="en-US"/>
           </a:p>
@@ -2713,7 +2714,7 @@
           <a:p>
             <a:fld id="{CDEEAA9E-B205-4E3D-B322-3F4BE24D9928}" type="datetimeFigureOut">
               <a:rPr lang="en-US" smtClean="0"/>
-              <a:t>4/14/2021</a:t>
+              <a:t>6/15/2021</a:t>
             </a:fld>
             <a:endParaRPr lang="en-US"/>
           </a:p>
@@ -2826,7 +2827,7 @@
           <a:p>
             <a:fld id="{CDEEAA9E-B205-4E3D-B322-3F4BE24D9928}" type="datetimeFigureOut">
               <a:rPr lang="en-US" smtClean="0"/>
-              <a:t>4/14/2021</a:t>
+              <a:t>6/15/2021</a:t>
             </a:fld>
             <a:endParaRPr lang="en-US"/>
           </a:p>
@@ -3137,7 +3138,7 @@
           <a:p>
             <a:fld id="{CDEEAA9E-B205-4E3D-B322-3F4BE24D9928}" type="datetimeFigureOut">
               <a:rPr lang="en-US" smtClean="0"/>
-              <a:t>4/14/2021</a:t>
+              <a:t>6/15/2021</a:t>
             </a:fld>
             <a:endParaRPr lang="en-US"/>
           </a:p>
@@ -3425,7 +3426,7 @@
           <a:p>
             <a:fld id="{CDEEAA9E-B205-4E3D-B322-3F4BE24D9928}" type="datetimeFigureOut">
               <a:rPr lang="en-US" smtClean="0"/>
-              <a:t>4/14/2021</a:t>
+              <a:t>6/15/2021</a:t>
             </a:fld>
             <a:endParaRPr lang="en-US"/>
           </a:p>
@@ -3666,7 +3667,7 @@
           <a:p>
             <a:fld id="{CDEEAA9E-B205-4E3D-B322-3F4BE24D9928}" type="datetimeFigureOut">
               <a:rPr lang="en-US" smtClean="0"/>
-              <a:t>4/14/2021</a:t>
+              <a:t>6/15/2021</a:t>
             </a:fld>
             <a:endParaRPr lang="en-US"/>
           </a:p>
@@ -6591,6 +6592,84 @@
 </p:sld>
 </file>
 
+<file path=ppt/slides/slide7.xml><?xml version="1.0" encoding="utf-8"?>
+<p:sld xmlns:a="http://schemas.openxmlformats.org/drawingml/2006/main" xmlns:r="http://schemas.openxmlformats.org/officeDocument/2006/relationships" xmlns:p="http://schemas.openxmlformats.org/presentationml/2006/main">
+  <p:cSld>
+    <p:spTree>
+      <p:nvGrpSpPr>
+        <p:cNvPr id="1" name=""/>
+        <p:cNvGrpSpPr/>
+        <p:nvPr/>
+      </p:nvGrpSpPr>
+      <p:grpSpPr>
+        <a:xfrm>
+          <a:off x="0" y="0"/>
+          <a:ext cx="0" cy="0"/>
+          <a:chOff x="0" y="0"/>
+          <a:chExt cx="0" cy="0"/>
+        </a:xfrm>
+      </p:grpSpPr>
+      <p:pic>
+        <p:nvPicPr>
+          <p:cNvPr id="21" name="Picture 20">
+            <a:extLst>
+              <a:ext uri="{FF2B5EF4-FFF2-40B4-BE49-F238E27FC236}">
+                <a16:creationId xmlns:a16="http://schemas.microsoft.com/office/drawing/2014/main" id="{8868810F-9376-4790-8FEC-FBB650F86BF3}"/>
+              </a:ext>
+            </a:extLst>
+          </p:cNvPr>
+          <p:cNvPicPr>
+            <a:picLocks noChangeAspect="1"/>
+          </p:cNvPicPr>
+          <p:nvPr/>
+        </p:nvPicPr>
+        <p:blipFill>
+          <a:blip r:embed="rId2">
+            <a:extLst>
+              <a:ext uri="{28A0092B-C50C-407E-A947-70E740481C1C}">
+                <a14:useLocalDpi xmlns:a14="http://schemas.microsoft.com/office/drawing/2010/main" val="0"/>
+              </a:ext>
+            </a:extLst>
+          </a:blip>
+          <a:stretch>
+            <a:fillRect/>
+          </a:stretch>
+        </p:blipFill>
+        <p:spPr>
+          <a:xfrm>
+            <a:off x="3398256" y="1675823"/>
+            <a:ext cx="3282182" cy="2623461"/>
+          </a:xfrm>
+          <a:prstGeom prst="roundRect">
+            <a:avLst>
+              <a:gd name="adj" fmla="val 4167"/>
+            </a:avLst>
+          </a:prstGeom>
+          <a:solidFill>
+            <a:srgbClr val="FFFFFF"/>
+          </a:solidFill>
+          <a:ln w="19050" cap="sq">
+            <a:solidFill>
+              <a:schemeClr val="bg2"/>
+            </a:solidFill>
+            <a:miter lim="800000"/>
+          </a:ln>
+          <a:effectLst/>
+        </p:spPr>
+      </p:pic>
+    </p:spTree>
+    <p:extLst>
+      <p:ext uri="{BB962C8B-B14F-4D97-AF65-F5344CB8AC3E}">
+        <p14:creationId xmlns:p14="http://schemas.microsoft.com/office/powerpoint/2010/main" val="3897168250"/>
+      </p:ext>
+    </p:extLst>
+  </p:cSld>
+  <p:clrMapOvr>
+    <a:masterClrMapping/>
+  </p:clrMapOvr>
+</p:sld>
+</file>
+
 <file path=ppt/theme/theme1.xml><?xml version="1.0" encoding="utf-8"?>
 <a:theme xmlns:a="http://schemas.openxmlformats.org/drawingml/2006/main" name="Office Theme">
   <a:themeElements>

--- a/pic/pictures.pptx
+++ b/pic/pictures.pptx
@@ -5,16 +5,17 @@
     <p:sldMasterId id="2147483672" r:id="rId1"/>
   </p:sldMasterIdLst>
   <p:notesMasterIdLst>
-    <p:notesMasterId r:id="rId9"/>
+    <p:notesMasterId r:id="rId10"/>
   </p:notesMasterIdLst>
   <p:sldIdLst>
     <p:sldId id="256" r:id="rId2"/>
-    <p:sldId id="349" r:id="rId3"/>
-    <p:sldId id="350" r:id="rId4"/>
-    <p:sldId id="346" r:id="rId5"/>
-    <p:sldId id="347" r:id="rId6"/>
-    <p:sldId id="348" r:id="rId7"/>
-    <p:sldId id="351" r:id="rId8"/>
+    <p:sldId id="352" r:id="rId3"/>
+    <p:sldId id="353" r:id="rId4"/>
+    <p:sldId id="354" r:id="rId5"/>
+    <p:sldId id="356" r:id="rId6"/>
+    <p:sldId id="347" r:id="rId7"/>
+    <p:sldId id="355" r:id="rId8"/>
+    <p:sldId id="348" r:id="rId9"/>
   </p:sldIdLst>
   <p:sldSz cx="12192000" cy="6858000"/>
   <p:notesSz cx="6858000" cy="9144000"/>
@@ -203,7 +204,7 @@
           <a:p>
             <a:fld id="{6DE9E842-1B71-4FDF-8546-7CFAC534C405}" type="datetimeFigureOut">
               <a:rPr lang="en-US" smtClean="0"/>
-              <a:t>6/15/2021</a:t>
+              <a:t>7/5/2021</a:t>
             </a:fld>
             <a:endParaRPr lang="en-US"/>
           </a:p>
@@ -661,7 +662,7 @@
     </p:spTree>
     <p:extLst>
       <p:ext uri="{BB962C8B-B14F-4D97-AF65-F5344CB8AC3E}">
-        <p14:creationId xmlns:p14="http://schemas.microsoft.com/office/powerpoint/2010/main" val="1156735134"/>
+        <p14:creationId xmlns:p14="http://schemas.microsoft.com/office/powerpoint/2010/main" val="1339424568"/>
       </p:ext>
     </p:extLst>
   </p:cSld>
@@ -748,7 +749,7 @@
     </p:spTree>
     <p:extLst>
       <p:ext uri="{BB962C8B-B14F-4D97-AF65-F5344CB8AC3E}">
-        <p14:creationId xmlns:p14="http://schemas.microsoft.com/office/powerpoint/2010/main" val="1239406869"/>
+        <p14:creationId xmlns:p14="http://schemas.microsoft.com/office/powerpoint/2010/main" val="3930783816"/>
       </p:ext>
     </p:extLst>
   </p:cSld>
@@ -776,6 +777,11 @@
         </a:xfrm>
       </p:grpSpPr>
     </p:spTree>
+    <p:extLst>
+      <p:ext uri="{BB962C8B-B14F-4D97-AF65-F5344CB8AC3E}">
+        <p14:creationId xmlns:p14="http://schemas.microsoft.com/office/powerpoint/2010/main" val="4171148980"/>
+      </p:ext>
+    </p:extLst>
   </p:cSld>
   <p:clrMapOvr>
     <a:masterClrMapping/>
@@ -800,6 +806,36 @@
           <a:chExt cx="0" cy="0"/>
         </a:xfrm>
       </p:grpSpPr>
+    </p:spTree>
+    <p:extLst>
+      <p:ext uri="{BB962C8B-B14F-4D97-AF65-F5344CB8AC3E}">
+        <p14:creationId xmlns:p14="http://schemas.microsoft.com/office/powerpoint/2010/main" val="1391514053"/>
+      </p:ext>
+    </p:extLst>
+  </p:cSld>
+  <p:clrMapOvr>
+    <a:masterClrMapping/>
+  </p:clrMapOvr>
+</p:notes>
+</file>
+
+<file path=ppt/notesSlides/notesSlide6.xml><?xml version="1.0" encoding="utf-8"?>
+<p:notes xmlns:a="http://schemas.openxmlformats.org/drawingml/2006/main" xmlns:r="http://schemas.openxmlformats.org/officeDocument/2006/relationships" xmlns:p="http://schemas.openxmlformats.org/presentationml/2006/main">
+  <p:cSld>
+    <p:spTree>
+      <p:nvGrpSpPr>
+        <p:cNvPr id="1" name=""/>
+        <p:cNvGrpSpPr/>
+        <p:nvPr/>
+      </p:nvGrpSpPr>
+      <p:grpSpPr>
+        <a:xfrm>
+          <a:off x="0" y="0"/>
+          <a:ext cx="0" cy="0"/>
+          <a:chOff x="0" y="0"/>
+          <a:chExt cx="0" cy="0"/>
+        </a:xfrm>
+      </p:grpSpPr>
       <p:sp>
         <p:nvSpPr>
           <p:cNvPr id="2" name="Slide Image Placeholder 1"/>
@@ -851,7 +887,7 @@
           <a:p>
             <a:fld id="{8CBD757D-DE5A-4CD1-82FB-678E1CF7B585}" type="slidenum">
               <a:rPr lang="en-US" smtClean="0"/>
-              <a:t>5</a:t>
+              <a:t>6</a:t>
             </a:fld>
             <a:endParaRPr lang="en-US"/>
           </a:p>
@@ -861,6 +897,93 @@
     <p:extLst>
       <p:ext uri="{BB962C8B-B14F-4D97-AF65-F5344CB8AC3E}">
         <p14:creationId xmlns:p14="http://schemas.microsoft.com/office/powerpoint/2010/main" val="921254109"/>
+      </p:ext>
+    </p:extLst>
+  </p:cSld>
+  <p:clrMapOvr>
+    <a:masterClrMapping/>
+  </p:clrMapOvr>
+</p:notes>
+</file>
+
+<file path=ppt/notesSlides/notesSlide7.xml><?xml version="1.0" encoding="utf-8"?>
+<p:notes xmlns:a="http://schemas.openxmlformats.org/drawingml/2006/main" xmlns:r="http://schemas.openxmlformats.org/officeDocument/2006/relationships" xmlns:p="http://schemas.openxmlformats.org/presentationml/2006/main">
+  <p:cSld>
+    <p:spTree>
+      <p:nvGrpSpPr>
+        <p:cNvPr id="1" name=""/>
+        <p:cNvGrpSpPr/>
+        <p:nvPr/>
+      </p:nvGrpSpPr>
+      <p:grpSpPr>
+        <a:xfrm>
+          <a:off x="0" y="0"/>
+          <a:ext cx="0" cy="0"/>
+          <a:chOff x="0" y="0"/>
+          <a:chExt cx="0" cy="0"/>
+        </a:xfrm>
+      </p:grpSpPr>
+      <p:sp>
+        <p:nvSpPr>
+          <p:cNvPr id="2" name="Slide Image Placeholder 1"/>
+          <p:cNvSpPr>
+            <a:spLocks noGrp="1" noRot="1" noChangeAspect="1"/>
+          </p:cNvSpPr>
+          <p:nvPr>
+            <p:ph type="sldImg"/>
+          </p:nvPr>
+        </p:nvSpPr>
+        <p:spPr/>
+      </p:sp>
+      <p:sp>
+        <p:nvSpPr>
+          <p:cNvPr id="3" name="Notes Placeholder 2"/>
+          <p:cNvSpPr>
+            <a:spLocks noGrp="1"/>
+          </p:cNvSpPr>
+          <p:nvPr>
+            <p:ph type="body" idx="1"/>
+          </p:nvPr>
+        </p:nvSpPr>
+        <p:spPr/>
+        <p:txBody>
+          <a:bodyPr/>
+          <a:lstStyle/>
+          <a:p>
+            <a:r>
+              <a:rPr lang="en-US" dirty="0"/>
+              <a:t>Existing literature to counter algorithmic bias can be classified into 3 different stages :- data, model and prediction</a:t>
+            </a:r>
+          </a:p>
+        </p:txBody>
+      </p:sp>
+      <p:sp>
+        <p:nvSpPr>
+          <p:cNvPr id="4" name="Slide Number Placeholder 3"/>
+          <p:cNvSpPr>
+            <a:spLocks noGrp="1"/>
+          </p:cNvSpPr>
+          <p:nvPr>
+            <p:ph type="sldNum" sz="quarter" idx="10"/>
+          </p:nvPr>
+        </p:nvSpPr>
+        <p:spPr/>
+        <p:txBody>
+          <a:bodyPr/>
+          <a:lstStyle/>
+          <a:p>
+            <a:fld id="{8CBD757D-DE5A-4CD1-82FB-678E1CF7B585}" type="slidenum">
+              <a:rPr lang="en-US" smtClean="0"/>
+              <a:t>7</a:t>
+            </a:fld>
+            <a:endParaRPr lang="en-US"/>
+          </a:p>
+        </p:txBody>
+      </p:sp>
+    </p:spTree>
+    <p:extLst>
+      <p:ext uri="{BB962C8B-B14F-4D97-AF65-F5344CB8AC3E}">
+        <p14:creationId xmlns:p14="http://schemas.microsoft.com/office/powerpoint/2010/main" val="2158658636"/>
       </p:ext>
     </p:extLst>
   </p:cSld>
@@ -1017,7 +1140,7 @@
           <a:p>
             <a:fld id="{CDEEAA9E-B205-4E3D-B322-3F4BE24D9928}" type="datetimeFigureOut">
               <a:rPr lang="en-US" smtClean="0"/>
-              <a:t>6/15/2021</a:t>
+              <a:t>7/5/2021</a:t>
             </a:fld>
             <a:endParaRPr lang="en-US"/>
           </a:p>
@@ -1215,7 +1338,7 @@
           <a:p>
             <a:fld id="{CDEEAA9E-B205-4E3D-B322-3F4BE24D9928}" type="datetimeFigureOut">
               <a:rPr lang="en-US" smtClean="0"/>
-              <a:t>6/15/2021</a:t>
+              <a:t>7/5/2021</a:t>
             </a:fld>
             <a:endParaRPr lang="en-US"/>
           </a:p>
@@ -1423,7 +1546,7 @@
           <a:p>
             <a:fld id="{CDEEAA9E-B205-4E3D-B322-3F4BE24D9928}" type="datetimeFigureOut">
               <a:rPr lang="en-US" smtClean="0"/>
-              <a:t>6/15/2021</a:t>
+              <a:t>7/5/2021</a:t>
             </a:fld>
             <a:endParaRPr lang="en-US"/>
           </a:p>
@@ -1621,7 +1744,7 @@
           <a:p>
             <a:fld id="{CDEEAA9E-B205-4E3D-B322-3F4BE24D9928}" type="datetimeFigureOut">
               <a:rPr lang="en-US" smtClean="0"/>
-              <a:t>6/15/2021</a:t>
+              <a:t>7/5/2021</a:t>
             </a:fld>
             <a:endParaRPr lang="en-US"/>
           </a:p>
@@ -1896,7 +2019,7 @@
           <a:p>
             <a:fld id="{CDEEAA9E-B205-4E3D-B322-3F4BE24D9928}" type="datetimeFigureOut">
               <a:rPr lang="en-US" smtClean="0"/>
-              <a:t>6/15/2021</a:t>
+              <a:t>7/5/2021</a:t>
             </a:fld>
             <a:endParaRPr lang="en-US"/>
           </a:p>
@@ -2161,7 +2284,7 @@
           <a:p>
             <a:fld id="{CDEEAA9E-B205-4E3D-B322-3F4BE24D9928}" type="datetimeFigureOut">
               <a:rPr lang="en-US" smtClean="0"/>
-              <a:t>6/15/2021</a:t>
+              <a:t>7/5/2021</a:t>
             </a:fld>
             <a:endParaRPr lang="en-US"/>
           </a:p>
@@ -2573,7 +2696,7 @@
           <a:p>
             <a:fld id="{CDEEAA9E-B205-4E3D-B322-3F4BE24D9928}" type="datetimeFigureOut">
               <a:rPr lang="en-US" smtClean="0"/>
-              <a:t>6/15/2021</a:t>
+              <a:t>7/5/2021</a:t>
             </a:fld>
             <a:endParaRPr lang="en-US"/>
           </a:p>
@@ -2714,7 +2837,7 @@
           <a:p>
             <a:fld id="{CDEEAA9E-B205-4E3D-B322-3F4BE24D9928}" type="datetimeFigureOut">
               <a:rPr lang="en-US" smtClean="0"/>
-              <a:t>6/15/2021</a:t>
+              <a:t>7/5/2021</a:t>
             </a:fld>
             <a:endParaRPr lang="en-US"/>
           </a:p>
@@ -2827,7 +2950,7 @@
           <a:p>
             <a:fld id="{CDEEAA9E-B205-4E3D-B322-3F4BE24D9928}" type="datetimeFigureOut">
               <a:rPr lang="en-US" smtClean="0"/>
-              <a:t>6/15/2021</a:t>
+              <a:t>7/5/2021</a:t>
             </a:fld>
             <a:endParaRPr lang="en-US"/>
           </a:p>
@@ -3138,7 +3261,7 @@
           <a:p>
             <a:fld id="{CDEEAA9E-B205-4E3D-B322-3F4BE24D9928}" type="datetimeFigureOut">
               <a:rPr lang="en-US" smtClean="0"/>
-              <a:t>6/15/2021</a:t>
+              <a:t>7/5/2021</a:t>
             </a:fld>
             <a:endParaRPr lang="en-US"/>
           </a:p>
@@ -3426,7 +3549,7 @@
           <a:p>
             <a:fld id="{CDEEAA9E-B205-4E3D-B322-3F4BE24D9928}" type="datetimeFigureOut">
               <a:rPr lang="en-US" smtClean="0"/>
-              <a:t>6/15/2021</a:t>
+              <a:t>7/5/2021</a:t>
             </a:fld>
             <a:endParaRPr lang="en-US"/>
           </a:p>
@@ -3667,7 +3790,7 @@
           <a:p>
             <a:fld id="{CDEEAA9E-B205-4E3D-B322-3F4BE24D9928}" type="datetimeFigureOut">
               <a:rPr lang="en-US" smtClean="0"/>
-              <a:t>6/15/2021</a:t>
+              <a:t>7/5/2021</a:t>
             </a:fld>
             <a:endParaRPr lang="en-US"/>
           </a:p>
@@ -4461,12 +4584,455 @@
           </a:p>
         </p:txBody>
       </p:sp>
+      <p:pic>
+        <p:nvPicPr>
+          <p:cNvPr id="11" name="Picture 10" descr="Text&#10;&#10;Description automatically generated">
+            <a:extLst>
+              <a:ext uri="{FF2B5EF4-FFF2-40B4-BE49-F238E27FC236}">
+                <a16:creationId xmlns:a16="http://schemas.microsoft.com/office/drawing/2014/main" id="{010F9026-7477-4D40-B71D-14ABAE4D71A4}"/>
+              </a:ext>
+            </a:extLst>
+          </p:cNvPr>
+          <p:cNvPicPr>
+            <a:picLocks noChangeAspect="1"/>
+          </p:cNvPicPr>
+          <p:nvPr/>
+        </p:nvPicPr>
+        <p:blipFill>
+          <a:blip r:embed="rId3">
+            <a:extLst>
+              <a:ext uri="{28A0092B-C50C-407E-A947-70E740481C1C}">
+                <a14:useLocalDpi xmlns:a14="http://schemas.microsoft.com/office/drawing/2010/main" val="0"/>
+              </a:ext>
+            </a:extLst>
+          </a:blip>
+          <a:stretch>
+            <a:fillRect/>
+          </a:stretch>
+        </p:blipFill>
+        <p:spPr>
+          <a:xfrm>
+            <a:off x="783124" y="1171243"/>
+            <a:ext cx="10776665" cy="4145954"/>
+          </a:xfrm>
+          <a:prstGeom prst="roundRect">
+            <a:avLst>
+              <a:gd name="adj" fmla="val 3789"/>
+            </a:avLst>
+          </a:prstGeom>
+          <a:ln>
+            <a:solidFill>
+              <a:schemeClr val="accent3"/>
+            </a:solidFill>
+          </a:ln>
+        </p:spPr>
+      </p:pic>
+      <p:sp>
+        <p:nvSpPr>
+          <p:cNvPr id="15" name="Arrow: Right 14">
+            <a:extLst>
+              <a:ext uri="{FF2B5EF4-FFF2-40B4-BE49-F238E27FC236}">
+                <a16:creationId xmlns:a16="http://schemas.microsoft.com/office/drawing/2014/main" id="{B63E8BC5-9B22-4579-9F63-245382145BB7}"/>
+              </a:ext>
+            </a:extLst>
+          </p:cNvPr>
+          <p:cNvSpPr/>
+          <p:nvPr/>
+        </p:nvSpPr>
+        <p:spPr>
+          <a:xfrm>
+            <a:off x="10286964" y="1400561"/>
+            <a:ext cx="561474" cy="140948"/>
+          </a:xfrm>
+          <a:prstGeom prst="rightArrow">
+            <a:avLst/>
+          </a:prstGeom>
+        </p:spPr>
+        <p:style>
+          <a:lnRef idx="3">
+            <a:schemeClr val="lt1"/>
+          </a:lnRef>
+          <a:fillRef idx="1">
+            <a:schemeClr val="accent3"/>
+          </a:fillRef>
+          <a:effectRef idx="1">
+            <a:schemeClr val="accent3"/>
+          </a:effectRef>
+          <a:fontRef idx="minor">
+            <a:schemeClr val="lt1"/>
+          </a:fontRef>
+        </p:style>
+        <p:txBody>
+          <a:bodyPr rtlCol="0" anchor="ctr"/>
+          <a:lstStyle/>
+          <a:p>
+            <a:pPr algn="ctr"/>
+            <a:endParaRPr lang="en-US" dirty="0"/>
+          </a:p>
+        </p:txBody>
+      </p:sp>
+      <p:sp>
+        <p:nvSpPr>
+          <p:cNvPr id="17" name="TextBox 16">
+            <a:extLst>
+              <a:ext uri="{FF2B5EF4-FFF2-40B4-BE49-F238E27FC236}">
+                <a16:creationId xmlns:a16="http://schemas.microsoft.com/office/drawing/2014/main" id="{9CF6A875-093E-499A-A13A-C615BF864544}"/>
+              </a:ext>
+            </a:extLst>
+          </p:cNvPr>
+          <p:cNvSpPr txBox="1"/>
+          <p:nvPr/>
+        </p:nvSpPr>
+        <p:spPr>
+          <a:xfrm>
+            <a:off x="8948668" y="1301758"/>
+            <a:ext cx="1411705" cy="338554"/>
+          </a:xfrm>
+          <a:prstGeom prst="rect">
+            <a:avLst/>
+          </a:prstGeom>
+          <a:noFill/>
+        </p:spPr>
+        <p:txBody>
+          <a:bodyPr wrap="square" rtlCol="0">
+            <a:spAutoFit/>
+          </a:bodyPr>
+          <a:lstStyle/>
+          <a:p>
+            <a:r>
+              <a:rPr lang="en-US" sz="1600" dirty="0">
+                <a:ln w="0">
+                  <a:solidFill>
+                    <a:schemeClr val="bg1"/>
+                  </a:solidFill>
+                </a:ln>
+                <a:solidFill>
+                  <a:schemeClr val="accent3">
+                    <a:lumMod val="20000"/>
+                    <a:lumOff val="80000"/>
+                  </a:schemeClr>
+                </a:solidFill>
+                <a:effectLst>
+                  <a:outerShdw blurRad="38100" dist="19050" dir="2700000" algn="tl" rotWithShape="0">
+                    <a:schemeClr val="dk1">
+                      <a:alpha val="40000"/>
+                    </a:schemeClr>
+                  </a:outerShdw>
+                </a:effectLst>
+              </a:rPr>
+              <a:t>Refine Model</a:t>
+            </a:r>
+          </a:p>
+        </p:txBody>
+      </p:sp>
+      <p:sp>
+        <p:nvSpPr>
+          <p:cNvPr id="18" name="Rectangle 17">
+            <a:extLst>
+              <a:ext uri="{FF2B5EF4-FFF2-40B4-BE49-F238E27FC236}">
+                <a16:creationId xmlns:a16="http://schemas.microsoft.com/office/drawing/2014/main" id="{135CFC1E-DBFC-430E-882F-62CFBAC8C3F5}"/>
+              </a:ext>
+            </a:extLst>
+          </p:cNvPr>
+          <p:cNvSpPr/>
+          <p:nvPr/>
+        </p:nvSpPr>
+        <p:spPr>
+          <a:xfrm>
+            <a:off x="10911141" y="1359897"/>
+            <a:ext cx="256032" cy="228600"/>
+          </a:xfrm>
+          <a:prstGeom prst="rect">
+            <a:avLst/>
+          </a:prstGeom>
+          <a:noFill/>
+          <a:ln w="19050" cap="flat" cmpd="sng" algn="ctr">
+            <a:solidFill>
+              <a:schemeClr val="accent3">
+                <a:lumMod val="75000"/>
+              </a:schemeClr>
+            </a:solidFill>
+            <a:prstDash val="dash"/>
+            <a:round/>
+            <a:headEnd type="none" w="med" len="med"/>
+            <a:tailEnd type="none" w="med" len="med"/>
+          </a:ln>
+        </p:spPr>
+        <p:style>
+          <a:lnRef idx="0">
+            <a:scrgbClr r="0" g="0" b="0"/>
+          </a:lnRef>
+          <a:fillRef idx="0">
+            <a:scrgbClr r="0" g="0" b="0"/>
+          </a:fillRef>
+          <a:effectRef idx="0">
+            <a:scrgbClr r="0" g="0" b="0"/>
+          </a:effectRef>
+          <a:fontRef idx="minor">
+            <a:schemeClr val="dk1"/>
+          </a:fontRef>
+        </p:style>
+        <p:txBody>
+          <a:bodyPr rtlCol="0" anchor="ctr"/>
+          <a:lstStyle/>
+          <a:p>
+            <a:pPr algn="ctr"/>
+            <a:endParaRPr lang="en-US" dirty="0"/>
+          </a:p>
+        </p:txBody>
+      </p:sp>
+      <p:sp>
+        <p:nvSpPr>
+          <p:cNvPr id="16" name="Arrow: Right 15">
+            <a:extLst>
+              <a:ext uri="{FF2B5EF4-FFF2-40B4-BE49-F238E27FC236}">
+                <a16:creationId xmlns:a16="http://schemas.microsoft.com/office/drawing/2014/main" id="{E4118564-3A29-4DA4-B0AF-8B73699D97AF}"/>
+              </a:ext>
+            </a:extLst>
+          </p:cNvPr>
+          <p:cNvSpPr/>
+          <p:nvPr/>
+        </p:nvSpPr>
+        <p:spPr>
+          <a:xfrm rot="20246643">
+            <a:off x="10710613" y="1676372"/>
+            <a:ext cx="561474" cy="152400"/>
+          </a:xfrm>
+          <a:prstGeom prst="rightArrow">
+            <a:avLst/>
+          </a:prstGeom>
+        </p:spPr>
+        <p:style>
+          <a:lnRef idx="3">
+            <a:schemeClr val="lt1"/>
+          </a:lnRef>
+          <a:fillRef idx="1">
+            <a:schemeClr val="accent3"/>
+          </a:fillRef>
+          <a:effectRef idx="1">
+            <a:schemeClr val="accent3"/>
+          </a:effectRef>
+          <a:fontRef idx="minor">
+            <a:schemeClr val="lt1"/>
+          </a:fontRef>
+        </p:style>
+        <p:txBody>
+          <a:bodyPr rtlCol="0" anchor="ctr"/>
+          <a:lstStyle/>
+          <a:p>
+            <a:pPr algn="ctr"/>
+            <a:endParaRPr lang="en-US" dirty="0"/>
+          </a:p>
+        </p:txBody>
+      </p:sp>
+      <p:sp>
+        <p:nvSpPr>
+          <p:cNvPr id="20" name="Rectangle 19">
+            <a:extLst>
+              <a:ext uri="{FF2B5EF4-FFF2-40B4-BE49-F238E27FC236}">
+                <a16:creationId xmlns:a16="http://schemas.microsoft.com/office/drawing/2014/main" id="{1F874A9E-3A74-4B1A-A85B-1DBD2676BD42}"/>
+              </a:ext>
+            </a:extLst>
+          </p:cNvPr>
+          <p:cNvSpPr/>
+          <p:nvPr/>
+        </p:nvSpPr>
+        <p:spPr>
+          <a:xfrm>
+            <a:off x="11223053" y="1361797"/>
+            <a:ext cx="256032" cy="228600"/>
+          </a:xfrm>
+          <a:prstGeom prst="rect">
+            <a:avLst/>
+          </a:prstGeom>
+          <a:noFill/>
+          <a:ln w="19050" cap="flat" cmpd="sng" algn="ctr">
+            <a:solidFill>
+              <a:schemeClr val="accent3">
+                <a:lumMod val="75000"/>
+              </a:schemeClr>
+            </a:solidFill>
+            <a:prstDash val="dash"/>
+            <a:round/>
+            <a:headEnd type="none" w="med" len="med"/>
+            <a:tailEnd type="none" w="med" len="med"/>
+          </a:ln>
+        </p:spPr>
+        <p:style>
+          <a:lnRef idx="0">
+            <a:scrgbClr r="0" g="0" b="0"/>
+          </a:lnRef>
+          <a:fillRef idx="0">
+            <a:scrgbClr r="0" g="0" b="0"/>
+          </a:fillRef>
+          <a:effectRef idx="0">
+            <a:scrgbClr r="0" g="0" b="0"/>
+          </a:effectRef>
+          <a:fontRef idx="minor">
+            <a:schemeClr val="dk1"/>
+          </a:fontRef>
+        </p:style>
+        <p:txBody>
+          <a:bodyPr rtlCol="0" anchor="ctr"/>
+          <a:lstStyle/>
+          <a:p>
+            <a:pPr algn="ctr"/>
+            <a:endParaRPr lang="en-US" dirty="0"/>
+          </a:p>
+        </p:txBody>
+      </p:sp>
+      <p:sp>
+        <p:nvSpPr>
+          <p:cNvPr id="21" name="TextBox 20">
+            <a:extLst>
+              <a:ext uri="{FF2B5EF4-FFF2-40B4-BE49-F238E27FC236}">
+                <a16:creationId xmlns:a16="http://schemas.microsoft.com/office/drawing/2014/main" id="{F8517B0A-45F7-468F-B5B5-DA534F8B15D9}"/>
+              </a:ext>
+            </a:extLst>
+          </p:cNvPr>
+          <p:cNvSpPr txBox="1"/>
+          <p:nvPr/>
+        </p:nvSpPr>
+        <p:spPr>
+          <a:xfrm>
+            <a:off x="9570717" y="1672153"/>
+            <a:ext cx="1411705" cy="338554"/>
+          </a:xfrm>
+          <a:prstGeom prst="rect">
+            <a:avLst/>
+          </a:prstGeom>
+          <a:noFill/>
+        </p:spPr>
+        <p:txBody>
+          <a:bodyPr wrap="square" rtlCol="0">
+            <a:spAutoFit/>
+          </a:bodyPr>
+          <a:lstStyle/>
+          <a:p>
+            <a:r>
+              <a:rPr lang="en-US" sz="1600" dirty="0">
+                <a:ln w="0">
+                  <a:solidFill>
+                    <a:schemeClr val="bg1"/>
+                  </a:solidFill>
+                </a:ln>
+                <a:solidFill>
+                  <a:schemeClr val="accent3">
+                    <a:lumMod val="20000"/>
+                    <a:lumOff val="80000"/>
+                  </a:schemeClr>
+                </a:solidFill>
+                <a:effectLst>
+                  <a:outerShdw blurRad="38100" dist="19050" dir="2700000" algn="tl" rotWithShape="0">
+                    <a:schemeClr val="dk1">
+                      <a:alpha val="40000"/>
+                    </a:schemeClr>
+                  </a:outerShdw>
+                </a:effectLst>
+              </a:rPr>
+              <a:t>Preferences</a:t>
+            </a:r>
+          </a:p>
+        </p:txBody>
+      </p:sp>
+    </p:spTree>
+    <p:extLst>
+      <p:ext uri="{BB962C8B-B14F-4D97-AF65-F5344CB8AC3E}">
+        <p14:creationId xmlns:p14="http://schemas.microsoft.com/office/powerpoint/2010/main" val="2347032191"/>
+      </p:ext>
+    </p:extLst>
+  </p:cSld>
+  <p:clrMapOvr>
+    <a:masterClrMapping/>
+  </p:clrMapOvr>
+</p:sld>
+</file>
+
+<file path=ppt/slides/slide3.xml><?xml version="1.0" encoding="utf-8"?>
+<p:sld xmlns:a="http://schemas.openxmlformats.org/drawingml/2006/main" xmlns:r="http://schemas.openxmlformats.org/officeDocument/2006/relationships" xmlns:p="http://schemas.openxmlformats.org/presentationml/2006/main">
+  <p:cSld>
+    <p:spTree>
+      <p:nvGrpSpPr>
+        <p:cNvPr id="1" name=""/>
+        <p:cNvGrpSpPr/>
+        <p:nvPr/>
+      </p:nvGrpSpPr>
+      <p:grpSpPr>
+        <a:xfrm>
+          <a:off x="0" y="0"/>
+          <a:ext cx="0" cy="0"/>
+          <a:chOff x="0" y="0"/>
+          <a:chExt cx="0" cy="0"/>
+        </a:xfrm>
+      </p:grpSpPr>
+      <p:sp>
+        <p:nvSpPr>
+          <p:cNvPr id="19" name="Title 1">
+            <a:extLst>
+              <a:ext uri="{FF2B5EF4-FFF2-40B4-BE49-F238E27FC236}">
+                <a16:creationId xmlns:a16="http://schemas.microsoft.com/office/drawing/2014/main" id="{1145B1FC-8B5F-4A10-B215-C60705EDF134}"/>
+              </a:ext>
+            </a:extLst>
+          </p:cNvPr>
+          <p:cNvSpPr txBox="1">
+            <a:spLocks/>
+          </p:cNvSpPr>
+          <p:nvPr/>
+        </p:nvSpPr>
+        <p:spPr>
+          <a:xfrm>
+            <a:off x="783124" y="25482"/>
+            <a:ext cx="10772775" cy="961277"/>
+          </a:xfrm>
+          <a:prstGeom prst="rect">
+            <a:avLst/>
+          </a:prstGeom>
+        </p:spPr>
+        <p:txBody>
+          <a:bodyPr vert="horz" lIns="91440" tIns="45720" rIns="91440" bIns="45720" rtlCol="0" anchor="ctr">
+            <a:normAutofit/>
+          </a:bodyPr>
+          <a:lstStyle>
+            <a:lvl1pPr algn="l" defTabSz="914400" rtl="0" eaLnBrk="1" latinLnBrk="0" hangingPunct="1">
+              <a:lnSpc>
+                <a:spcPct val="90000"/>
+              </a:lnSpc>
+              <a:spcBef>
+                <a:spcPct val="0"/>
+              </a:spcBef>
+              <a:buNone/>
+              <a:defRPr sz="4400" kern="1200">
+                <a:solidFill>
+                  <a:schemeClr val="tx1"/>
+                </a:solidFill>
+                <a:latin typeface="+mj-lt"/>
+                <a:ea typeface="+mj-ea"/>
+                <a:cs typeface="+mj-cs"/>
+              </a:defRPr>
+            </a:lvl1pPr>
+          </a:lstStyle>
+          <a:p>
+            <a:pPr algn="ctr"/>
+            <a:r>
+              <a:rPr lang="en-US" b="1" dirty="0">
+                <a:solidFill>
+                  <a:schemeClr val="accent1">
+                    <a:lumMod val="75000"/>
+                  </a:schemeClr>
+                </a:solidFill>
+                <a:latin typeface="+mn-lt"/>
+              </a:rPr>
+              <a:t>Teaser</a:t>
+            </a:r>
+          </a:p>
+        </p:txBody>
+      </p:sp>
       <p:grpSp>
         <p:nvGrpSpPr>
-          <p:cNvPr id="9" name="Group 8">
-            <a:extLst>
-              <a:ext uri="{FF2B5EF4-FFF2-40B4-BE49-F238E27FC236}">
-                <a16:creationId xmlns:a16="http://schemas.microsoft.com/office/drawing/2014/main" id="{81CA840F-33E4-48D1-9FFA-43CF401D1468}"/>
+          <p:cNvPr id="2" name="Group 1">
+            <a:extLst>
+              <a:ext uri="{FF2B5EF4-FFF2-40B4-BE49-F238E27FC236}">
+                <a16:creationId xmlns:a16="http://schemas.microsoft.com/office/drawing/2014/main" id="{8F323BDA-346C-4062-A7B3-5032BFF21DE9}"/>
               </a:ext>
             </a:extLst>
           </p:cNvPr>
@@ -4475,18 +5041,18 @@
         </p:nvGrpSpPr>
         <p:grpSpPr>
           <a:xfrm>
-            <a:off x="0" y="850400"/>
-            <a:ext cx="12192000" cy="5590323"/>
-            <a:chOff x="0" y="1050927"/>
-            <a:chExt cx="12192000" cy="5590323"/>
+            <a:off x="271982" y="1146563"/>
+            <a:ext cx="11707562" cy="4564874"/>
+            <a:chOff x="271982" y="1146563"/>
+            <a:chExt cx="11707562" cy="4564874"/>
           </a:xfrm>
         </p:grpSpPr>
         <p:pic>
           <p:nvPicPr>
-            <p:cNvPr id="3" name="Picture 2" descr="Text&#10;&#10;Description automatically generated">
+            <p:cNvPr id="37" name="Picture 36" descr="Text&#10;&#10;Description automatically generated">
               <a:extLst>
                 <a:ext uri="{FF2B5EF4-FFF2-40B4-BE49-F238E27FC236}">
-                  <a16:creationId xmlns:a16="http://schemas.microsoft.com/office/drawing/2014/main" id="{E3452062-EB03-4AE1-B9CB-6B9B1573B3DC}"/>
+                  <a16:creationId xmlns:a16="http://schemas.microsoft.com/office/drawing/2014/main" id="{742CFED0-A088-4EFB-BB7E-D240EA048423}"/>
                 </a:ext>
               </a:extLst>
             </p:cNvPr>
@@ -4509,118 +5075,35 @@
           </p:blipFill>
           <p:spPr>
             <a:xfrm>
-              <a:off x="0" y="1050927"/>
-              <a:ext cx="12192000" cy="5590323"/>
+              <a:off x="271982" y="1146563"/>
+              <a:ext cx="11648036" cy="4564874"/>
             </a:xfrm>
-            <a:prstGeom prst="rect">
-              <a:avLst/>
+            <a:prstGeom prst="roundRect">
+              <a:avLst>
+                <a:gd name="adj" fmla="val 2940"/>
+              </a:avLst>
             </a:prstGeom>
-            <a:ln>
-              <a:noFill/>
+            <a:solidFill>
+              <a:srgbClr val="FFFFFF">
+                <a:shade val="85000"/>
+              </a:srgbClr>
+            </a:solidFill>
+            <a:ln w="19050">
+              <a:solidFill>
+                <a:schemeClr val="bg1">
+                  <a:lumMod val="75000"/>
+                </a:schemeClr>
+              </a:solidFill>
             </a:ln>
-            <a:effectLst>
-              <a:outerShdw blurRad="292100" dist="139700" dir="2700000" algn="tl" rotWithShape="0">
-                <a:srgbClr val="333333">
-                  <a:alpha val="65000"/>
-                </a:srgbClr>
-              </a:outerShdw>
-            </a:effectLst>
+            <a:effectLst/>
           </p:spPr>
         </p:pic>
         <p:sp>
           <p:nvSpPr>
-            <p:cNvPr id="4" name="Arrow: Right 3">
+            <p:cNvPr id="17" name="TextBox 16">
               <a:extLst>
                 <a:ext uri="{FF2B5EF4-FFF2-40B4-BE49-F238E27FC236}">
-                  <a16:creationId xmlns:a16="http://schemas.microsoft.com/office/drawing/2014/main" id="{9CC7615F-F94D-46FD-BBBC-3F3FB1FA99F1}"/>
-                </a:ext>
-              </a:extLst>
-            </p:cNvPr>
-            <p:cNvSpPr/>
-            <p:nvPr/>
-          </p:nvSpPr>
-          <p:spPr>
-            <a:xfrm>
-              <a:off x="10841118" y="1336086"/>
-              <a:ext cx="561474" cy="152400"/>
-            </a:xfrm>
-            <a:prstGeom prst="rightArrow">
-              <a:avLst/>
-            </a:prstGeom>
-          </p:spPr>
-          <p:style>
-            <a:lnRef idx="3">
-              <a:schemeClr val="lt1"/>
-            </a:lnRef>
-            <a:fillRef idx="1">
-              <a:schemeClr val="accent3"/>
-            </a:fillRef>
-            <a:effectRef idx="1">
-              <a:schemeClr val="accent3"/>
-            </a:effectRef>
-            <a:fontRef idx="minor">
-              <a:schemeClr val="lt1"/>
-            </a:fontRef>
-          </p:style>
-          <p:txBody>
-            <a:bodyPr rtlCol="0" anchor="ctr"/>
-            <a:lstStyle/>
-            <a:p>
-              <a:pPr algn="ctr"/>
-              <a:endParaRPr lang="en-US" dirty="0"/>
-            </a:p>
-          </p:txBody>
-        </p:sp>
-        <p:sp>
-          <p:nvSpPr>
-            <p:cNvPr id="7" name="Arrow: Right 6">
-              <a:extLst>
-                <a:ext uri="{FF2B5EF4-FFF2-40B4-BE49-F238E27FC236}">
-                  <a16:creationId xmlns:a16="http://schemas.microsoft.com/office/drawing/2014/main" id="{F5208BCC-E123-4693-9BCE-9D95426A622D}"/>
-                </a:ext>
-              </a:extLst>
-            </p:cNvPr>
-            <p:cNvSpPr/>
-            <p:nvPr/>
-          </p:nvSpPr>
-          <p:spPr>
-            <a:xfrm rot="19790106">
-              <a:off x="11309743" y="1653677"/>
-              <a:ext cx="561474" cy="152400"/>
-            </a:xfrm>
-            <a:prstGeom prst="rightArrow">
-              <a:avLst/>
-            </a:prstGeom>
-          </p:spPr>
-          <p:style>
-            <a:lnRef idx="3">
-              <a:schemeClr val="lt1"/>
-            </a:lnRef>
-            <a:fillRef idx="1">
-              <a:schemeClr val="accent3"/>
-            </a:fillRef>
-            <a:effectRef idx="1">
-              <a:schemeClr val="accent3"/>
-            </a:effectRef>
-            <a:fontRef idx="minor">
-              <a:schemeClr val="lt1"/>
-            </a:fontRef>
-          </p:style>
-          <p:txBody>
-            <a:bodyPr rtlCol="0" anchor="ctr"/>
-            <a:lstStyle/>
-            <a:p>
-              <a:pPr algn="ctr"/>
-              <a:endParaRPr lang="en-US" dirty="0"/>
-            </a:p>
-          </p:txBody>
-        </p:sp>
-        <p:sp>
-          <p:nvSpPr>
-            <p:cNvPr id="5" name="TextBox 4">
-              <a:extLst>
-                <a:ext uri="{FF2B5EF4-FFF2-40B4-BE49-F238E27FC236}">
-                  <a16:creationId xmlns:a16="http://schemas.microsoft.com/office/drawing/2014/main" id="{C24E0977-4ACB-4EC8-A85A-D706332DFC59}"/>
+                  <a16:creationId xmlns:a16="http://schemas.microsoft.com/office/drawing/2014/main" id="{9CF6A875-093E-499A-A13A-C615BF864544}"/>
                 </a:ext>
               </a:extLst>
             </p:cNvPr>
@@ -4629,8 +5112,8 @@
           </p:nvSpPr>
           <p:spPr>
             <a:xfrm>
-              <a:off x="9581148" y="1239109"/>
-              <a:ext cx="1411705" cy="338554"/>
+              <a:off x="9708117" y="1640296"/>
+              <a:ext cx="1411705" cy="307777"/>
             </a:xfrm>
             <a:prstGeom prst="rect">
               <a:avLst/>
@@ -4644,7 +5127,7 @@
             <a:lstStyle/>
             <a:p>
               <a:r>
-                <a:rPr lang="en-US" sz="1600" dirty="0">
+                <a:rPr lang="en-US" sz="1400" dirty="0">
                   <a:ln w="0">
                     <a:solidFill>
                       <a:schemeClr val="bg1"/>
@@ -4671,122 +5154,10 @@
         </p:sp>
         <p:sp>
           <p:nvSpPr>
-            <p:cNvPr id="6" name="Rectangle 5">
+            <p:cNvPr id="21" name="TextBox 20">
               <a:extLst>
                 <a:ext uri="{FF2B5EF4-FFF2-40B4-BE49-F238E27FC236}">
-                  <a16:creationId xmlns:a16="http://schemas.microsoft.com/office/drawing/2014/main" id="{3C267868-B00E-4FDC-B862-1C445684BA0F}"/>
-                </a:ext>
-              </a:extLst>
-            </p:cNvPr>
-            <p:cNvSpPr/>
-            <p:nvPr/>
-          </p:nvSpPr>
-          <p:spPr>
-            <a:xfrm>
-              <a:off x="11455391" y="1243263"/>
-              <a:ext cx="303472" cy="269286"/>
-            </a:xfrm>
-            <a:prstGeom prst="rect">
-              <a:avLst/>
-            </a:prstGeom>
-            <a:noFill/>
-            <a:ln w="19050" cap="flat" cmpd="sng" algn="ctr">
-              <a:solidFill>
-                <a:schemeClr val="accent3">
-                  <a:lumMod val="75000"/>
-                </a:schemeClr>
-              </a:solidFill>
-              <a:prstDash val="dash"/>
-              <a:round/>
-              <a:headEnd type="none" w="med" len="med"/>
-              <a:tailEnd type="none" w="med" len="med"/>
-            </a:ln>
-          </p:spPr>
-          <p:style>
-            <a:lnRef idx="0">
-              <a:scrgbClr r="0" g="0" b="0"/>
-            </a:lnRef>
-            <a:fillRef idx="0">
-              <a:scrgbClr r="0" g="0" b="0"/>
-            </a:fillRef>
-            <a:effectRef idx="0">
-              <a:scrgbClr r="0" g="0" b="0"/>
-            </a:effectRef>
-            <a:fontRef idx="minor">
-              <a:schemeClr val="dk1"/>
-            </a:fontRef>
-          </p:style>
-          <p:txBody>
-            <a:bodyPr rtlCol="0" anchor="ctr"/>
-            <a:lstStyle/>
-            <a:p>
-              <a:pPr algn="ctr"/>
-              <a:endParaRPr lang="en-US" dirty="0"/>
-            </a:p>
-          </p:txBody>
-        </p:sp>
-        <p:sp>
-          <p:nvSpPr>
-            <p:cNvPr id="13" name="Rectangle 12">
-              <a:extLst>
-                <a:ext uri="{FF2B5EF4-FFF2-40B4-BE49-F238E27FC236}">
-                  <a16:creationId xmlns:a16="http://schemas.microsoft.com/office/drawing/2014/main" id="{C6CD46C7-7402-4231-ACFA-2598C26D1658}"/>
-                </a:ext>
-              </a:extLst>
-            </p:cNvPr>
-            <p:cNvSpPr/>
-            <p:nvPr/>
-          </p:nvSpPr>
-          <p:spPr>
-            <a:xfrm>
-              <a:off x="11803643" y="1245894"/>
-              <a:ext cx="303472" cy="274676"/>
-            </a:xfrm>
-            <a:prstGeom prst="rect">
-              <a:avLst/>
-            </a:prstGeom>
-            <a:noFill/>
-            <a:ln w="19050" cap="flat" cmpd="sng" algn="ctr">
-              <a:solidFill>
-                <a:schemeClr val="accent3">
-                  <a:lumMod val="75000"/>
-                </a:schemeClr>
-              </a:solidFill>
-              <a:prstDash val="dash"/>
-              <a:round/>
-              <a:headEnd type="none" w="med" len="med"/>
-              <a:tailEnd type="none" w="med" len="med"/>
-            </a:ln>
-          </p:spPr>
-          <p:style>
-            <a:lnRef idx="0">
-              <a:scrgbClr r="0" g="0" b="0"/>
-            </a:lnRef>
-            <a:fillRef idx="0">
-              <a:scrgbClr r="0" g="0" b="0"/>
-            </a:fillRef>
-            <a:effectRef idx="0">
-              <a:scrgbClr r="0" g="0" b="0"/>
-            </a:effectRef>
-            <a:fontRef idx="minor">
-              <a:schemeClr val="dk1"/>
-            </a:fontRef>
-          </p:style>
-          <p:txBody>
-            <a:bodyPr rtlCol="0" anchor="ctr"/>
-            <a:lstStyle/>
-            <a:p>
-              <a:pPr algn="ctr"/>
-              <a:endParaRPr lang="en-US" dirty="0"/>
-            </a:p>
-          </p:txBody>
-        </p:sp>
-        <p:sp>
-          <p:nvSpPr>
-            <p:cNvPr id="14" name="TextBox 13">
-              <a:extLst>
-                <a:ext uri="{FF2B5EF4-FFF2-40B4-BE49-F238E27FC236}">
-                  <a16:creationId xmlns:a16="http://schemas.microsoft.com/office/drawing/2014/main" id="{9DE24B70-BDE6-4822-929E-D0663F7D0C8B}"/>
+                  <a16:creationId xmlns:a16="http://schemas.microsoft.com/office/drawing/2014/main" id="{F8517B0A-45F7-468F-B5B5-DA534F8B15D9}"/>
                 </a:ext>
               </a:extLst>
             </p:cNvPr>
@@ -4795,8 +5166,8 @@
           </p:nvSpPr>
           <p:spPr>
             <a:xfrm>
-              <a:off x="10144194" y="1679062"/>
-              <a:ext cx="1411705" cy="338554"/>
+              <a:off x="10812380" y="1771226"/>
+              <a:ext cx="1167164" cy="307777"/>
             </a:xfrm>
             <a:prstGeom prst="rect">
               <a:avLst/>
@@ -4810,7 +5181,7 @@
             <a:lstStyle/>
             <a:p>
               <a:r>
-                <a:rPr lang="en-US" sz="1600" dirty="0">
+                <a:rPr lang="en-US" sz="1400" dirty="0">
                   <a:ln w="0">
                     <a:solidFill>
                       <a:schemeClr val="bg1"/>
@@ -4835,212 +5206,12 @@
             </a:p>
           </p:txBody>
         </p:sp>
-      </p:grpSp>
-    </p:spTree>
-    <p:extLst>
-      <p:ext uri="{BB962C8B-B14F-4D97-AF65-F5344CB8AC3E}">
-        <p14:creationId xmlns:p14="http://schemas.microsoft.com/office/powerpoint/2010/main" val="638700452"/>
-      </p:ext>
-    </p:extLst>
-  </p:cSld>
-  <p:clrMapOvr>
-    <a:masterClrMapping/>
-  </p:clrMapOvr>
-</p:sld>
-</file>
-
-<file path=ppt/slides/slide3.xml><?xml version="1.0" encoding="utf-8"?>
-<p:sld xmlns:a="http://schemas.openxmlformats.org/drawingml/2006/main" xmlns:r="http://schemas.openxmlformats.org/officeDocument/2006/relationships" xmlns:p="http://schemas.openxmlformats.org/presentationml/2006/main">
-  <p:cSld>
-    <p:spTree>
-      <p:nvGrpSpPr>
-        <p:cNvPr id="1" name=""/>
-        <p:cNvGrpSpPr/>
-        <p:nvPr/>
-      </p:nvGrpSpPr>
-      <p:grpSpPr>
-        <a:xfrm>
-          <a:off x="0" y="0"/>
-          <a:ext cx="0" cy="0"/>
-          <a:chOff x="0" y="0"/>
-          <a:chExt cx="0" cy="0"/>
-        </a:xfrm>
-      </p:grpSpPr>
-      <p:sp>
-        <p:nvSpPr>
-          <p:cNvPr id="19" name="Title 1">
-            <a:extLst>
-              <a:ext uri="{FF2B5EF4-FFF2-40B4-BE49-F238E27FC236}">
-                <a16:creationId xmlns:a16="http://schemas.microsoft.com/office/drawing/2014/main" id="{1145B1FC-8B5F-4A10-B215-C60705EDF134}"/>
-              </a:ext>
-            </a:extLst>
-          </p:cNvPr>
-          <p:cNvSpPr txBox="1">
-            <a:spLocks/>
-          </p:cNvSpPr>
-          <p:nvPr/>
-        </p:nvSpPr>
-        <p:spPr>
-          <a:xfrm>
-            <a:off x="783124" y="25482"/>
-            <a:ext cx="10772775" cy="961277"/>
-          </a:xfrm>
-          <a:prstGeom prst="rect">
-            <a:avLst/>
-          </a:prstGeom>
-        </p:spPr>
-        <p:txBody>
-          <a:bodyPr vert="horz" lIns="91440" tIns="45720" rIns="91440" bIns="45720" rtlCol="0" anchor="ctr">
-            <a:normAutofit/>
-          </a:bodyPr>
-          <a:lstStyle>
-            <a:lvl1pPr algn="l" defTabSz="914400" rtl="0" eaLnBrk="1" latinLnBrk="0" hangingPunct="1">
-              <a:lnSpc>
-                <a:spcPct val="90000"/>
-              </a:lnSpc>
-              <a:spcBef>
-                <a:spcPct val="0"/>
-              </a:spcBef>
-              <a:buNone/>
-              <a:defRPr sz="4400" kern="1200">
-                <a:solidFill>
-                  <a:schemeClr val="tx1"/>
-                </a:solidFill>
-                <a:latin typeface="+mj-lt"/>
-                <a:ea typeface="+mj-ea"/>
-                <a:cs typeface="+mj-cs"/>
-              </a:defRPr>
-            </a:lvl1pPr>
-          </a:lstStyle>
-          <a:p>
-            <a:pPr algn="ctr"/>
-            <a:r>
-              <a:rPr lang="en-US" b="1" dirty="0">
-                <a:solidFill>
-                  <a:schemeClr val="accent1">
-                    <a:lumMod val="75000"/>
-                  </a:schemeClr>
-                </a:solidFill>
-                <a:latin typeface="+mn-lt"/>
-              </a:rPr>
-              <a:t>Teaser</a:t>
-            </a:r>
-          </a:p>
-        </p:txBody>
-      </p:sp>
-      <p:grpSp>
-        <p:nvGrpSpPr>
-          <p:cNvPr id="3" name="Group 2">
-            <a:extLst>
-              <a:ext uri="{FF2B5EF4-FFF2-40B4-BE49-F238E27FC236}">
-                <a16:creationId xmlns:a16="http://schemas.microsoft.com/office/drawing/2014/main" id="{92BC3A75-1872-4D3C-8180-BE63699920B6}"/>
-              </a:ext>
-            </a:extLst>
-          </p:cNvPr>
-          <p:cNvGrpSpPr/>
-          <p:nvPr/>
-        </p:nvGrpSpPr>
-        <p:grpSpPr>
-          <a:xfrm>
-            <a:off x="707667" y="1050927"/>
-            <a:ext cx="10776665" cy="4145954"/>
-            <a:chOff x="707667" y="1050927"/>
-            <a:chExt cx="10776665" cy="4145954"/>
-          </a:xfrm>
-        </p:grpSpPr>
-        <p:pic>
-          <p:nvPicPr>
-            <p:cNvPr id="11" name="Picture 10" descr="Text&#10;&#10;Description automatically generated">
+        <p:sp>
+          <p:nvSpPr>
+            <p:cNvPr id="13" name="TextBox 12">
               <a:extLst>
                 <a:ext uri="{FF2B5EF4-FFF2-40B4-BE49-F238E27FC236}">
-                  <a16:creationId xmlns:a16="http://schemas.microsoft.com/office/drawing/2014/main" id="{010F9026-7477-4D40-B71D-14ABAE4D71A4}"/>
-                </a:ext>
-              </a:extLst>
-            </p:cNvPr>
-            <p:cNvPicPr>
-              <a:picLocks noChangeAspect="1"/>
-            </p:cNvPicPr>
-            <p:nvPr/>
-          </p:nvPicPr>
-          <p:blipFill>
-            <a:blip r:embed="rId3">
-              <a:extLst>
-                <a:ext uri="{28A0092B-C50C-407E-A947-70E740481C1C}">
-                  <a14:useLocalDpi xmlns:a14="http://schemas.microsoft.com/office/drawing/2010/main" val="0"/>
-                </a:ext>
-              </a:extLst>
-            </a:blip>
-            <a:stretch>
-              <a:fillRect/>
-            </a:stretch>
-          </p:blipFill>
-          <p:spPr>
-            <a:xfrm>
-              <a:off x="707667" y="1050927"/>
-              <a:ext cx="10776665" cy="4145954"/>
-            </a:xfrm>
-            <a:prstGeom prst="roundRect">
-              <a:avLst>
-                <a:gd name="adj" fmla="val 3789"/>
-              </a:avLst>
-            </a:prstGeom>
-            <a:ln>
-              <a:solidFill>
-                <a:schemeClr val="accent3"/>
-              </a:solidFill>
-            </a:ln>
-          </p:spPr>
-        </p:pic>
-        <p:sp>
-          <p:nvSpPr>
-            <p:cNvPr id="15" name="Arrow: Right 14">
-              <a:extLst>
-                <a:ext uri="{FF2B5EF4-FFF2-40B4-BE49-F238E27FC236}">
-                  <a16:creationId xmlns:a16="http://schemas.microsoft.com/office/drawing/2014/main" id="{B63E8BC5-9B22-4579-9F63-245382145BB7}"/>
-                </a:ext>
-              </a:extLst>
-            </p:cNvPr>
-            <p:cNvSpPr/>
-            <p:nvPr/>
-          </p:nvSpPr>
-          <p:spPr>
-            <a:xfrm>
-              <a:off x="10211507" y="1280245"/>
-              <a:ext cx="561474" cy="140948"/>
-            </a:xfrm>
-            <a:prstGeom prst="rightArrow">
-              <a:avLst/>
-            </a:prstGeom>
-          </p:spPr>
-          <p:style>
-            <a:lnRef idx="3">
-              <a:schemeClr val="lt1"/>
-            </a:lnRef>
-            <a:fillRef idx="1">
-              <a:schemeClr val="accent3"/>
-            </a:fillRef>
-            <a:effectRef idx="1">
-              <a:schemeClr val="accent3"/>
-            </a:effectRef>
-            <a:fontRef idx="minor">
-              <a:schemeClr val="lt1"/>
-            </a:fontRef>
-          </p:style>
-          <p:txBody>
-            <a:bodyPr rtlCol="0" anchor="ctr"/>
-            <a:lstStyle/>
-            <a:p>
-              <a:pPr algn="ctr"/>
-              <a:endParaRPr lang="en-US" dirty="0"/>
-            </a:p>
-          </p:txBody>
-        </p:sp>
-        <p:sp>
-          <p:nvSpPr>
-            <p:cNvPr id="17" name="TextBox 16">
-              <a:extLst>
-                <a:ext uri="{FF2B5EF4-FFF2-40B4-BE49-F238E27FC236}">
-                  <a16:creationId xmlns:a16="http://schemas.microsoft.com/office/drawing/2014/main" id="{9CF6A875-093E-499A-A13A-C615BF864544}"/>
+                  <a16:creationId xmlns:a16="http://schemas.microsoft.com/office/drawing/2014/main" id="{58E7E398-0B4B-4824-BF6A-4B7DC8504A37}"/>
                 </a:ext>
               </a:extLst>
             </p:cNvPr>
@@ -5049,8 +5220,8 @@
           </p:nvSpPr>
           <p:spPr>
             <a:xfrm>
-              <a:off x="8873211" y="1181442"/>
-              <a:ext cx="1411705" cy="338554"/>
+              <a:off x="8981371" y="1327122"/>
+              <a:ext cx="1672744" cy="307777"/>
             </a:xfrm>
             <a:prstGeom prst="rect">
               <a:avLst/>
@@ -5064,7 +5235,7 @@
             <a:lstStyle/>
             <a:p>
               <a:r>
-                <a:rPr lang="en-US" sz="1600" dirty="0">
+                <a:rPr lang="en-US" sz="1400" dirty="0">
                   <a:ln w="0">
                     <a:solidFill>
                       <a:schemeClr val="bg1"/>
@@ -5084,226 +5255,148 @@
                     </a:outerShdw>
                   </a:effectLst>
                 </a:rPr>
-                <a:t>Refine Model</a:t>
+                <a:t>Update Highlighting</a:t>
               </a:r>
             </a:p>
           </p:txBody>
         </p:sp>
-        <p:sp>
-          <p:nvSpPr>
-            <p:cNvPr id="18" name="Rectangle 17">
+        <p:cxnSp>
+          <p:nvCxnSpPr>
+            <p:cNvPr id="6" name="Straight Arrow Connector 5">
               <a:extLst>
                 <a:ext uri="{FF2B5EF4-FFF2-40B4-BE49-F238E27FC236}">
-                  <a16:creationId xmlns:a16="http://schemas.microsoft.com/office/drawing/2014/main" id="{135CFC1E-DBFC-430E-882F-62CFBAC8C3F5}"/>
+                  <a16:creationId xmlns:a16="http://schemas.microsoft.com/office/drawing/2014/main" id="{5B3134C1-0938-4307-8F06-5AF1E648569A}"/>
                 </a:ext>
               </a:extLst>
             </p:cNvPr>
-            <p:cNvSpPr/>
+            <p:cNvCxnSpPr>
+              <a:cxnSpLocks/>
+            </p:cNvCxnSpPr>
             <p:nvPr/>
-          </p:nvSpPr>
+          </p:nvCxnSpPr>
           <p:spPr>
-            <a:xfrm>
-              <a:off x="10835684" y="1239581"/>
-              <a:ext cx="256032" cy="228600"/>
+            <a:xfrm flipV="1">
+              <a:off x="11648039" y="1613461"/>
+              <a:ext cx="0" cy="235260"/>
             </a:xfrm>
-            <a:prstGeom prst="rect">
+            <a:prstGeom prst="straightConnector1">
               <a:avLst/>
             </a:prstGeom>
-            <a:noFill/>
-            <a:ln w="19050" cap="flat" cmpd="sng" algn="ctr">
+            <a:ln>
               <a:solidFill>
-                <a:schemeClr val="accent3">
-                  <a:lumMod val="75000"/>
-                </a:schemeClr>
+                <a:schemeClr val="bg1"/>
               </a:solidFill>
-              <a:prstDash val="dash"/>
-              <a:round/>
-              <a:headEnd type="none" w="med" len="med"/>
-              <a:tailEnd type="none" w="med" len="med"/>
+              <a:tailEnd type="triangle"/>
             </a:ln>
           </p:spPr>
           <p:style>
-            <a:lnRef idx="0">
-              <a:scrgbClr r="0" g="0" b="0"/>
+            <a:lnRef idx="3">
+              <a:schemeClr val="accent3"/>
             </a:lnRef>
             <a:fillRef idx="0">
-              <a:scrgbClr r="0" g="0" b="0"/>
+              <a:schemeClr val="accent3"/>
             </a:fillRef>
-            <a:effectRef idx="0">
-              <a:scrgbClr r="0" g="0" b="0"/>
+            <a:effectRef idx="2">
+              <a:schemeClr val="accent3"/>
             </a:effectRef>
             <a:fontRef idx="minor">
-              <a:schemeClr val="dk1"/>
+              <a:schemeClr val="tx1"/>
             </a:fontRef>
           </p:style>
-          <p:txBody>
-            <a:bodyPr rtlCol="0" anchor="ctr"/>
-            <a:lstStyle/>
-            <a:p>
-              <a:pPr algn="ctr"/>
-              <a:endParaRPr lang="en-US" dirty="0"/>
-            </a:p>
-          </p:txBody>
-        </p:sp>
-        <p:sp>
-          <p:nvSpPr>
-            <p:cNvPr id="16" name="Arrow: Right 15">
+        </p:cxnSp>
+        <p:cxnSp>
+          <p:nvCxnSpPr>
+            <p:cNvPr id="22" name="Straight Arrow Connector 21">
               <a:extLst>
                 <a:ext uri="{FF2B5EF4-FFF2-40B4-BE49-F238E27FC236}">
-                  <a16:creationId xmlns:a16="http://schemas.microsoft.com/office/drawing/2014/main" id="{E4118564-3A29-4DA4-B0AF-8B73699D97AF}"/>
+                  <a16:creationId xmlns:a16="http://schemas.microsoft.com/office/drawing/2014/main" id="{157673D8-6CE6-4D7D-8B1E-36DE228776CD}"/>
                 </a:ext>
               </a:extLst>
             </p:cNvPr>
-            <p:cNvSpPr/>
+            <p:cNvCxnSpPr>
+              <a:cxnSpLocks/>
+            </p:cNvCxnSpPr>
             <p:nvPr/>
-          </p:nvSpPr>
+          </p:nvCxnSpPr>
           <p:spPr>
-            <a:xfrm rot="20246643">
-              <a:off x="10635156" y="1556056"/>
-              <a:ext cx="561474" cy="152400"/>
+            <a:xfrm flipV="1">
+              <a:off x="10851231" y="1629503"/>
+              <a:ext cx="381184" cy="173287"/>
             </a:xfrm>
-            <a:prstGeom prst="rightArrow">
+            <a:prstGeom prst="straightConnector1">
               <a:avLst/>
             </a:prstGeom>
+            <a:ln>
+              <a:solidFill>
+                <a:schemeClr val="bg1"/>
+              </a:solidFill>
+              <a:tailEnd type="triangle"/>
+            </a:ln>
           </p:spPr>
           <p:style>
             <a:lnRef idx="3">
-              <a:schemeClr val="lt1"/>
+              <a:schemeClr val="accent3"/>
             </a:lnRef>
-            <a:fillRef idx="1">
+            <a:fillRef idx="0">
               <a:schemeClr val="accent3"/>
             </a:fillRef>
-            <a:effectRef idx="1">
+            <a:effectRef idx="2">
               <a:schemeClr val="accent3"/>
             </a:effectRef>
             <a:fontRef idx="minor">
-              <a:schemeClr val="lt1"/>
+              <a:schemeClr val="tx1"/>
             </a:fontRef>
           </p:style>
-          <p:txBody>
-            <a:bodyPr rtlCol="0" anchor="ctr"/>
-            <a:lstStyle/>
-            <a:p>
-              <a:pPr algn="ctr"/>
-              <a:endParaRPr lang="en-US" dirty="0"/>
-            </a:p>
-          </p:txBody>
-        </p:sp>
-        <p:sp>
-          <p:nvSpPr>
-            <p:cNvPr id="20" name="Rectangle 19">
+        </p:cxnSp>
+        <p:cxnSp>
+          <p:nvCxnSpPr>
+            <p:cNvPr id="25" name="Straight Arrow Connector 24">
               <a:extLst>
                 <a:ext uri="{FF2B5EF4-FFF2-40B4-BE49-F238E27FC236}">
-                  <a16:creationId xmlns:a16="http://schemas.microsoft.com/office/drawing/2014/main" id="{1F874A9E-3A74-4B1A-A85B-1DBD2676BD42}"/>
+                  <a16:creationId xmlns:a16="http://schemas.microsoft.com/office/drawing/2014/main" id="{B862F523-98C3-458A-8FE7-0E73C431F53D}"/>
                 </a:ext>
               </a:extLst>
             </p:cNvPr>
-            <p:cNvSpPr/>
+            <p:cNvCxnSpPr>
+              <a:cxnSpLocks/>
+            </p:cNvCxnSpPr>
             <p:nvPr/>
-          </p:nvSpPr>
+          </p:nvCxnSpPr>
           <p:spPr>
             <a:xfrm>
-              <a:off x="11147596" y="1241481"/>
-              <a:ext cx="256032" cy="228600"/>
+              <a:off x="10605776" y="1490889"/>
+              <a:ext cx="245455" cy="3499"/>
             </a:xfrm>
-            <a:prstGeom prst="rect">
+            <a:prstGeom prst="straightConnector1">
               <a:avLst/>
             </a:prstGeom>
-            <a:noFill/>
-            <a:ln w="19050" cap="flat" cmpd="sng" algn="ctr">
+            <a:ln>
               <a:solidFill>
-                <a:schemeClr val="accent3">
-                  <a:lumMod val="75000"/>
-                </a:schemeClr>
+                <a:schemeClr val="bg1"/>
               </a:solidFill>
-              <a:prstDash val="dash"/>
-              <a:round/>
-              <a:headEnd type="none" w="med" len="med"/>
-              <a:tailEnd type="none" w="med" len="med"/>
+              <a:tailEnd type="triangle"/>
             </a:ln>
           </p:spPr>
           <p:style>
-            <a:lnRef idx="0">
-              <a:scrgbClr r="0" g="0" b="0"/>
+            <a:lnRef idx="3">
+              <a:schemeClr val="accent3"/>
             </a:lnRef>
             <a:fillRef idx="0">
-              <a:scrgbClr r="0" g="0" b="0"/>
+              <a:schemeClr val="accent3"/>
             </a:fillRef>
-            <a:effectRef idx="0">
-              <a:scrgbClr r="0" g="0" b="0"/>
+            <a:effectRef idx="2">
+              <a:schemeClr val="accent3"/>
             </a:effectRef>
             <a:fontRef idx="minor">
-              <a:schemeClr val="dk1"/>
+              <a:schemeClr val="tx1"/>
             </a:fontRef>
           </p:style>
-          <p:txBody>
-            <a:bodyPr rtlCol="0" anchor="ctr"/>
-            <a:lstStyle/>
-            <a:p>
-              <a:pPr algn="ctr"/>
-              <a:endParaRPr lang="en-US" dirty="0"/>
-            </a:p>
-          </p:txBody>
-        </p:sp>
-        <p:sp>
-          <p:nvSpPr>
-            <p:cNvPr id="21" name="TextBox 20">
-              <a:extLst>
-                <a:ext uri="{FF2B5EF4-FFF2-40B4-BE49-F238E27FC236}">
-                  <a16:creationId xmlns:a16="http://schemas.microsoft.com/office/drawing/2014/main" id="{F8517B0A-45F7-468F-B5B5-DA534F8B15D9}"/>
-                </a:ext>
-              </a:extLst>
-            </p:cNvPr>
-            <p:cNvSpPr txBox="1"/>
-            <p:nvPr/>
-          </p:nvSpPr>
-          <p:spPr>
-            <a:xfrm>
-              <a:off x="9495260" y="1551837"/>
-              <a:ext cx="1411705" cy="338554"/>
-            </a:xfrm>
-            <a:prstGeom prst="rect">
-              <a:avLst/>
-            </a:prstGeom>
-            <a:noFill/>
-          </p:spPr>
-          <p:txBody>
-            <a:bodyPr wrap="square" rtlCol="0">
-              <a:spAutoFit/>
-            </a:bodyPr>
-            <a:lstStyle/>
-            <a:p>
-              <a:r>
-                <a:rPr lang="en-US" sz="1600" dirty="0">
-                  <a:ln w="0">
-                    <a:solidFill>
-                      <a:schemeClr val="bg1"/>
-                    </a:solidFill>
-                  </a:ln>
-                  <a:solidFill>
-                    <a:schemeClr val="accent3">
-                      <a:lumMod val="20000"/>
-                      <a:lumOff val="80000"/>
-                    </a:schemeClr>
-                  </a:solidFill>
-                  <a:effectLst>
-                    <a:outerShdw blurRad="38100" dist="19050" dir="2700000" algn="tl" rotWithShape="0">
-                      <a:schemeClr val="dk1">
-                        <a:alpha val="40000"/>
-                      </a:schemeClr>
-                    </a:outerShdw>
-                  </a:effectLst>
-                </a:rPr>
-                <a:t>Preferences</a:t>
-              </a:r>
-            </a:p>
-          </p:txBody>
-        </p:sp>
+        </p:cxnSp>
       </p:grpSp>
     </p:spTree>
     <p:extLst>
       <p:ext uri="{BB962C8B-B14F-4D97-AF65-F5344CB8AC3E}">
-        <p14:creationId xmlns:p14="http://schemas.microsoft.com/office/powerpoint/2010/main" val="1166188157"/>
+        <p14:creationId xmlns:p14="http://schemas.microsoft.com/office/powerpoint/2010/main" val="2020663546"/>
       </p:ext>
     </p:extLst>
   </p:cSld>
@@ -5430,10 +5523,10 @@
       </p:pic>
       <p:grpSp>
         <p:nvGrpSpPr>
-          <p:cNvPr id="34" name="Group 33">
-            <a:extLst>
-              <a:ext uri="{FF2B5EF4-FFF2-40B4-BE49-F238E27FC236}">
-                <a16:creationId xmlns:a16="http://schemas.microsoft.com/office/drawing/2014/main" id="{B1B6894E-9106-476B-810A-ECC89EBE6ADC}"/>
+          <p:cNvPr id="14" name="Group 13">
+            <a:extLst>
+              <a:ext uri="{FF2B5EF4-FFF2-40B4-BE49-F238E27FC236}">
+                <a16:creationId xmlns:a16="http://schemas.microsoft.com/office/drawing/2014/main" id="{4DE64F93-1F94-4A2D-9F7B-ECAC83492141}"/>
               </a:ext>
             </a:extLst>
           </p:cNvPr>
@@ -5442,10 +5535,10 @@
         </p:nvGrpSpPr>
         <p:grpSpPr>
           <a:xfrm>
-            <a:off x="655056" y="1460318"/>
-            <a:ext cx="11077036" cy="3347225"/>
-            <a:chOff x="166932" y="1444276"/>
-            <a:chExt cx="11077036" cy="3347225"/>
+            <a:off x="379797" y="1556571"/>
+            <a:ext cx="11336175" cy="3347225"/>
+            <a:chOff x="379797" y="1556571"/>
+            <a:chExt cx="11336175" cy="3347225"/>
           </a:xfrm>
         </p:grpSpPr>
         <p:sp>
@@ -5462,7 +5555,7 @@
           </p:nvSpPr>
           <p:spPr>
             <a:xfrm>
-              <a:off x="4447340" y="4015894"/>
+              <a:off x="4919344" y="4128189"/>
               <a:ext cx="1560456" cy="775607"/>
             </a:xfrm>
             <a:prstGeom prst="roundRect">
@@ -5516,7 +5609,7 @@
           </p:nvSpPr>
           <p:spPr>
             <a:xfrm>
-              <a:off x="7130753" y="4015894"/>
+              <a:off x="7602757" y="4128189"/>
               <a:ext cx="1560456" cy="775607"/>
             </a:xfrm>
             <a:prstGeom prst="roundRect">
@@ -5570,7 +5663,7 @@
           </p:nvSpPr>
           <p:spPr>
             <a:xfrm>
-              <a:off x="9609532" y="2496080"/>
+              <a:off x="10081536" y="2608375"/>
               <a:ext cx="1634436" cy="1396093"/>
             </a:xfrm>
             <a:prstGeom prst="roundRect">
@@ -5631,7 +5724,7 @@
           </p:nvSpPr>
           <p:spPr>
             <a:xfrm>
-              <a:off x="5995463" y="1559220"/>
+              <a:off x="6467467" y="1671515"/>
               <a:ext cx="1560456" cy="775607"/>
             </a:xfrm>
             <a:prstGeom prst="roundRect">
@@ -5688,7 +5781,7 @@
           </p:nvCxnSpPr>
           <p:spPr>
             <a:xfrm>
-              <a:off x="3449114" y="4403698"/>
+              <a:off x="3921118" y="4515993"/>
               <a:ext cx="998226" cy="0"/>
             </a:xfrm>
             <a:prstGeom prst="straightConnector1">
@@ -5737,7 +5830,7 @@
           </p:nvCxnSpPr>
           <p:spPr>
             <a:xfrm>
-              <a:off x="6007796" y="4403698"/>
+              <a:off x="6479800" y="4515993"/>
               <a:ext cx="1122957" cy="0"/>
             </a:xfrm>
             <a:prstGeom prst="straightConnector1">
@@ -5786,7 +5879,7 @@
           </p:nvCxnSpPr>
           <p:spPr>
             <a:xfrm flipV="1">
-              <a:off x="8691209" y="3892173"/>
+              <a:off x="9163213" y="4004468"/>
               <a:ext cx="1735541" cy="511525"/>
             </a:xfrm>
             <a:prstGeom prst="straightConnector1">
@@ -5834,7 +5927,7 @@
           </p:nvCxnSpPr>
           <p:spPr>
             <a:xfrm flipH="1" flipV="1">
-              <a:off x="3449114" y="1947023"/>
+              <a:off x="3921118" y="2059318"/>
               <a:ext cx="2546349" cy="1"/>
             </a:xfrm>
             <a:prstGeom prst="straightConnector1">
@@ -5883,7 +5976,7 @@
           </p:nvCxnSpPr>
           <p:spPr>
             <a:xfrm flipH="1" flipV="1">
-              <a:off x="7555919" y="1947024"/>
+              <a:off x="8027923" y="2059319"/>
               <a:ext cx="2870831" cy="549056"/>
             </a:xfrm>
             <a:prstGeom prst="straightConnector1">
@@ -5925,15 +6018,14 @@
             </p:cNvPr>
             <p:cNvCxnSpPr>
               <a:cxnSpLocks/>
-              <a:stCxn id="59" idx="3"/>
               <a:endCxn id="9" idx="1"/>
             </p:cNvCxnSpPr>
             <p:nvPr/>
           </p:nvCxnSpPr>
           <p:spPr>
-            <a:xfrm>
-              <a:off x="3449114" y="3183203"/>
-              <a:ext cx="6160418" cy="10924"/>
+            <a:xfrm flipV="1">
+              <a:off x="3921118" y="3306422"/>
+              <a:ext cx="6160418" cy="25827"/>
             </a:xfrm>
             <a:prstGeom prst="straightConnector1">
               <a:avLst/>
@@ -5977,7 +6069,7 @@
           </p:nvSpPr>
           <p:spPr>
             <a:xfrm>
-              <a:off x="5171944" y="2813871"/>
+              <a:off x="5643948" y="2926166"/>
               <a:ext cx="2870831" cy="369332"/>
             </a:xfrm>
             <a:prstGeom prst="rect">
@@ -6015,7 +6107,7 @@
           </p:nvCxnSpPr>
           <p:spPr>
             <a:xfrm>
-              <a:off x="10420564" y="2034824"/>
+              <a:off x="10892568" y="2147119"/>
               <a:ext cx="6186" cy="461256"/>
             </a:xfrm>
             <a:prstGeom prst="straightConnector1">
@@ -6060,7 +6152,7 @@
           </p:nvSpPr>
           <p:spPr>
             <a:xfrm>
-              <a:off x="9977170" y="1444276"/>
+              <a:off x="10449174" y="1556571"/>
               <a:ext cx="854119" cy="646331"/>
             </a:xfrm>
             <a:prstGeom prst="rect">
@@ -6103,7 +6195,7 @@
           </p:nvSpPr>
           <p:spPr>
             <a:xfrm>
-              <a:off x="3643606" y="4079460"/>
+              <a:off x="4115610" y="4191755"/>
               <a:ext cx="743910" cy="646331"/>
             </a:xfrm>
             <a:prstGeom prst="rect">
@@ -6144,7 +6236,7 @@
           </p:nvSpPr>
           <p:spPr>
             <a:xfrm>
-              <a:off x="6157015" y="4046401"/>
+              <a:off x="6629019" y="4158696"/>
               <a:ext cx="877508" cy="369332"/>
             </a:xfrm>
             <a:prstGeom prst="rect">
@@ -6179,7 +6271,7 @@
           </p:nvSpPr>
           <p:spPr>
             <a:xfrm>
-              <a:off x="9326280" y="4092567"/>
+              <a:off x="9798284" y="4204862"/>
               <a:ext cx="813348" cy="646331"/>
             </a:xfrm>
             <a:prstGeom prst="rect">
@@ -6220,7 +6312,7 @@
           </p:nvSpPr>
           <p:spPr>
             <a:xfrm>
-              <a:off x="8366951" y="1514453"/>
+              <a:off x="8838955" y="1626748"/>
               <a:ext cx="959329" cy="646331"/>
             </a:xfrm>
             <a:prstGeom prst="rect">
@@ -6247,56 +6339,6 @@
             </a:p>
           </p:txBody>
         </p:sp>
-        <p:pic>
-          <p:nvPicPr>
-            <p:cNvPr id="59" name="Picture 58">
-              <a:extLst>
-                <a:ext uri="{FF2B5EF4-FFF2-40B4-BE49-F238E27FC236}">
-                  <a16:creationId xmlns:a16="http://schemas.microsoft.com/office/drawing/2014/main" id="{716EDC5F-98FE-4534-9B48-A0B7BAE537C8}"/>
-                </a:ext>
-              </a:extLst>
-            </p:cNvPr>
-            <p:cNvPicPr>
-              <a:picLocks noChangeAspect="1"/>
-            </p:cNvPicPr>
-            <p:nvPr/>
-          </p:nvPicPr>
-          <p:blipFill>
-            <a:blip r:embed="rId4">
-              <a:extLst>
-                <a:ext uri="{28A0092B-C50C-407E-A947-70E740481C1C}">
-                  <a14:useLocalDpi xmlns:a14="http://schemas.microsoft.com/office/drawing/2010/main" val="0"/>
-                </a:ext>
-              </a:extLst>
-            </a:blip>
-            <a:stretch>
-              <a:fillRect/>
-            </a:stretch>
-          </p:blipFill>
-          <p:spPr>
-            <a:xfrm>
-              <a:off x="166932" y="1611656"/>
-              <a:ext cx="3282182" cy="3143094"/>
-            </a:xfrm>
-            <a:prstGeom prst="roundRect">
-              <a:avLst>
-                <a:gd name="adj" fmla="val 4167"/>
-              </a:avLst>
-            </a:prstGeom>
-            <a:solidFill>
-              <a:srgbClr val="FFFFFF"/>
-            </a:solidFill>
-            <a:ln w="19050" cap="sq">
-              <a:solidFill>
-                <a:schemeClr val="accent6">
-                  <a:lumMod val="75000"/>
-                </a:schemeClr>
-              </a:solidFill>
-              <a:miter lim="800000"/>
-            </a:ln>
-            <a:effectLst/>
-          </p:spPr>
-        </p:pic>
         <p:sp>
           <p:nvSpPr>
             <p:cNvPr id="102" name="TextBox 101">
@@ -6311,7 +6353,7 @@
           </p:nvSpPr>
           <p:spPr>
             <a:xfrm>
-              <a:off x="4010199" y="1608029"/>
+              <a:off x="4482203" y="1720324"/>
               <a:ext cx="1748944" cy="646331"/>
             </a:xfrm>
             <a:prstGeom prst="rect">
@@ -6338,11 +6380,62 @@
             </a:p>
           </p:txBody>
         </p:sp>
+        <p:pic>
+          <p:nvPicPr>
+            <p:cNvPr id="31" name="Picture 30" descr="Text&#10;&#10;Description automatically generated">
+              <a:extLst>
+                <a:ext uri="{FF2B5EF4-FFF2-40B4-BE49-F238E27FC236}">
+                  <a16:creationId xmlns:a16="http://schemas.microsoft.com/office/drawing/2014/main" id="{62BF2712-E5E8-497A-A74C-D797DD75B192}"/>
+                </a:ext>
+              </a:extLst>
+            </p:cNvPr>
+            <p:cNvPicPr>
+              <a:picLocks noChangeAspect="1"/>
+            </p:cNvPicPr>
+            <p:nvPr/>
+          </p:nvPicPr>
+          <p:blipFill>
+            <a:blip r:embed="rId4">
+              <a:extLst>
+                <a:ext uri="{28A0092B-C50C-407E-A947-70E740481C1C}">
+                  <a14:useLocalDpi xmlns:a14="http://schemas.microsoft.com/office/drawing/2010/main" val="0"/>
+                </a:ext>
+              </a:extLst>
+            </a:blip>
+            <a:stretch>
+              <a:fillRect/>
+            </a:stretch>
+          </p:blipFill>
+          <p:spPr>
+            <a:xfrm>
+              <a:off x="379797" y="1671515"/>
+              <a:ext cx="3540928" cy="3219025"/>
+            </a:xfrm>
+            <a:prstGeom prst="roundRect">
+              <a:avLst>
+                <a:gd name="adj" fmla="val 5476"/>
+              </a:avLst>
+            </a:prstGeom>
+            <a:solidFill>
+              <a:srgbClr val="FFFFFF">
+                <a:shade val="85000"/>
+              </a:srgbClr>
+            </a:solidFill>
+            <a:ln w="19050">
+              <a:solidFill>
+                <a:schemeClr val="accent6">
+                  <a:lumMod val="75000"/>
+                </a:schemeClr>
+              </a:solidFill>
+            </a:ln>
+            <a:effectLst/>
+          </p:spPr>
+        </p:pic>
       </p:grpSp>
     </p:spTree>
     <p:extLst>
       <p:ext uri="{BB962C8B-B14F-4D97-AF65-F5344CB8AC3E}">
-        <p14:creationId xmlns:p14="http://schemas.microsoft.com/office/powerpoint/2010/main" val="3320574548"/>
+        <p14:creationId xmlns:p14="http://schemas.microsoft.com/office/powerpoint/2010/main" val="35571323"/>
       </p:ext>
     </p:extLst>
   </p:cSld>
@@ -6426,7 +6519,7 @@
                 </a:solidFill>
                 <a:latin typeface="+mn-lt"/>
               </a:rPr>
-              <a:t>Refining Model</a:t>
+              <a:t>Workflow</a:t>
             </a:r>
           </a:p>
         </p:txBody>
@@ -6467,51 +6560,932 @@
           </a:prstGeom>
         </p:spPr>
       </p:pic>
-      <p:pic>
-        <p:nvPicPr>
-          <p:cNvPr id="4" name="Picture 3" descr="Graphical user interface, text, application&#10;&#10;Description automatically generated">
-            <a:extLst>
-              <a:ext uri="{FF2B5EF4-FFF2-40B4-BE49-F238E27FC236}">
-                <a16:creationId xmlns:a16="http://schemas.microsoft.com/office/drawing/2014/main" id="{9D48FA05-F59C-4842-BCF4-7B7480F52033}"/>
-              </a:ext>
-            </a:extLst>
-          </p:cNvPr>
-          <p:cNvPicPr>
-            <a:picLocks noChangeAspect="1"/>
-          </p:cNvPicPr>
+      <p:grpSp>
+        <p:nvGrpSpPr>
+          <p:cNvPr id="14" name="Group 13">
+            <a:extLst>
+              <a:ext uri="{FF2B5EF4-FFF2-40B4-BE49-F238E27FC236}">
+                <a16:creationId xmlns:a16="http://schemas.microsoft.com/office/drawing/2014/main" id="{4DE64F93-1F94-4A2D-9F7B-ECAC83492141}"/>
+              </a:ext>
+            </a:extLst>
+          </p:cNvPr>
+          <p:cNvGrpSpPr/>
           <p:nvPr/>
-        </p:nvPicPr>
-        <p:blipFill>
-          <a:blip r:embed="rId4">
-            <a:extLst>
-              <a:ext uri="{28A0092B-C50C-407E-A947-70E740481C1C}">
-                <a14:useLocalDpi xmlns:a14="http://schemas.microsoft.com/office/drawing/2010/main" val="0"/>
-              </a:ext>
-            </a:extLst>
-          </a:blip>
-          <a:stretch>
-            <a:fillRect/>
-          </a:stretch>
-        </p:blipFill>
-        <p:spPr>
+        </p:nvGrpSpPr>
+        <p:grpSpPr>
           <a:xfrm>
-            <a:off x="3136231" y="2176287"/>
-            <a:ext cx="5941509" cy="2505425"/>
+            <a:off x="427912" y="1519701"/>
+            <a:ext cx="11336175" cy="3347225"/>
+            <a:chOff x="379797" y="1556571"/>
+            <a:chExt cx="11336175" cy="3347225"/>
           </a:xfrm>
-          <a:prstGeom prst="rect">
-            <a:avLst/>
-          </a:prstGeom>
-          <a:ln w="3175">
+        </p:grpSpPr>
+        <p:sp>
+          <p:nvSpPr>
+            <p:cNvPr id="7" name="Rectangle: Rounded Corners 6">
+              <a:extLst>
+                <a:ext uri="{FF2B5EF4-FFF2-40B4-BE49-F238E27FC236}">
+                  <a16:creationId xmlns:a16="http://schemas.microsoft.com/office/drawing/2014/main" id="{83E85D69-B41A-4F28-8083-E181F487427B}"/>
+                </a:ext>
+              </a:extLst>
+            </p:cNvPr>
+            <p:cNvSpPr/>
+            <p:nvPr/>
+          </p:nvSpPr>
+          <p:spPr>
+            <a:xfrm>
+              <a:off x="4919344" y="4128189"/>
+              <a:ext cx="1560456" cy="775607"/>
+            </a:xfrm>
+            <a:prstGeom prst="roundRect">
+              <a:avLst/>
+            </a:prstGeom>
+            <a:ln w="15875">
+              <a:solidFill>
+                <a:schemeClr val="tx1">
+                  <a:lumMod val="50000"/>
+                  <a:lumOff val="50000"/>
+                </a:schemeClr>
+              </a:solidFill>
+            </a:ln>
+          </p:spPr>
+          <p:style>
+            <a:lnRef idx="2">
+              <a:schemeClr val="accent6"/>
+            </a:lnRef>
+            <a:fillRef idx="1">
+              <a:schemeClr val="lt1"/>
+            </a:fillRef>
+            <a:effectRef idx="0">
+              <a:schemeClr val="accent6"/>
+            </a:effectRef>
+            <a:fontRef idx="minor">
+              <a:schemeClr val="dk1"/>
+            </a:fontRef>
+          </p:style>
+          <p:txBody>
+            <a:bodyPr rtlCol="0" anchor="ctr"/>
+            <a:lstStyle/>
+            <a:p>
+              <a:pPr algn="ctr"/>
+              <a:r>
+                <a:rPr lang="en-US" dirty="0"/>
+                <a:t>Tokenizer</a:t>
+              </a:r>
+            </a:p>
+          </p:txBody>
+        </p:sp>
+        <p:sp>
+          <p:nvSpPr>
+            <p:cNvPr id="8" name="Rectangle: Rounded Corners 7">
+              <a:extLst>
+                <a:ext uri="{FF2B5EF4-FFF2-40B4-BE49-F238E27FC236}">
+                  <a16:creationId xmlns:a16="http://schemas.microsoft.com/office/drawing/2014/main" id="{0556C617-A731-45E1-A0E9-3A3776748355}"/>
+                </a:ext>
+              </a:extLst>
+            </p:cNvPr>
+            <p:cNvSpPr/>
+            <p:nvPr/>
+          </p:nvSpPr>
+          <p:spPr>
+            <a:xfrm>
+              <a:off x="7602757" y="4128189"/>
+              <a:ext cx="1560456" cy="775607"/>
+            </a:xfrm>
+            <a:prstGeom prst="roundRect">
+              <a:avLst/>
+            </a:prstGeom>
+            <a:ln w="15875">
+              <a:solidFill>
+                <a:schemeClr val="tx1">
+                  <a:lumMod val="50000"/>
+                  <a:lumOff val="50000"/>
+                </a:schemeClr>
+              </a:solidFill>
+            </a:ln>
+          </p:spPr>
+          <p:style>
+            <a:lnRef idx="2">
+              <a:schemeClr val="accent6"/>
+            </a:lnRef>
+            <a:fillRef idx="1">
+              <a:schemeClr val="lt1"/>
+            </a:fillRef>
+            <a:effectRef idx="0">
+              <a:schemeClr val="accent6"/>
+            </a:effectRef>
+            <a:fontRef idx="minor">
+              <a:schemeClr val="dk1"/>
+            </a:fontRef>
+          </p:style>
+          <p:txBody>
+            <a:bodyPr rtlCol="0" anchor="ctr"/>
+            <a:lstStyle/>
+            <a:p>
+              <a:pPr algn="ctr"/>
+              <a:r>
+                <a:rPr lang="en-US" dirty="0"/>
+                <a:t>Named Entity Recognition</a:t>
+              </a:r>
+            </a:p>
+          </p:txBody>
+        </p:sp>
+        <p:sp>
+          <p:nvSpPr>
+            <p:cNvPr id="9" name="Rectangle: Rounded Corners 8">
+              <a:extLst>
+                <a:ext uri="{FF2B5EF4-FFF2-40B4-BE49-F238E27FC236}">
+                  <a16:creationId xmlns:a16="http://schemas.microsoft.com/office/drawing/2014/main" id="{9C8A2963-017D-4777-B342-8FDB6DF22B71}"/>
+                </a:ext>
+              </a:extLst>
+            </p:cNvPr>
+            <p:cNvSpPr/>
+            <p:nvPr/>
+          </p:nvSpPr>
+          <p:spPr>
+            <a:xfrm>
+              <a:off x="10081536" y="2608375"/>
+              <a:ext cx="1634436" cy="1396093"/>
+            </a:xfrm>
+            <a:prstGeom prst="roundRect">
+              <a:avLst/>
+            </a:prstGeom>
+            <a:ln w="15875">
+              <a:solidFill>
+                <a:schemeClr val="tx1">
+                  <a:lumMod val="50000"/>
+                  <a:lumOff val="50000"/>
+                </a:schemeClr>
+              </a:solidFill>
+            </a:ln>
+          </p:spPr>
+          <p:style>
+            <a:lnRef idx="2">
+              <a:schemeClr val="accent6"/>
+            </a:lnRef>
+            <a:fillRef idx="1">
+              <a:schemeClr val="lt1"/>
+            </a:fillRef>
+            <a:effectRef idx="0">
+              <a:schemeClr val="accent6"/>
+            </a:effectRef>
+            <a:fontRef idx="minor">
+              <a:schemeClr val="dk1"/>
+            </a:fontRef>
+          </p:style>
+          <p:txBody>
+            <a:bodyPr rtlCol="0" anchor="ctr"/>
+            <a:lstStyle/>
+            <a:p>
+              <a:pPr algn="ctr"/>
+              <a:r>
+                <a:rPr lang="en-US" dirty="0"/>
+                <a:t>Active learner</a:t>
+              </a:r>
+            </a:p>
+            <a:p>
+              <a:pPr algn="ctr"/>
+              <a:r>
+                <a:rPr lang="en-US" dirty="0"/>
+                <a:t>(Classifier)</a:t>
+              </a:r>
+            </a:p>
+          </p:txBody>
+        </p:sp>
+        <p:sp>
+          <p:nvSpPr>
+            <p:cNvPr id="10" name="Rectangle: Rounded Corners 9">
+              <a:extLst>
+                <a:ext uri="{FF2B5EF4-FFF2-40B4-BE49-F238E27FC236}">
+                  <a16:creationId xmlns:a16="http://schemas.microsoft.com/office/drawing/2014/main" id="{FE3E94F2-FCF3-4266-99C1-E76F28B6FBA0}"/>
+                </a:ext>
+              </a:extLst>
+            </p:cNvPr>
+            <p:cNvSpPr/>
+            <p:nvPr/>
+          </p:nvSpPr>
+          <p:spPr>
+            <a:xfrm>
+              <a:off x="6467467" y="1671515"/>
+              <a:ext cx="1560456" cy="775607"/>
+            </a:xfrm>
+            <a:prstGeom prst="roundRect">
+              <a:avLst/>
+            </a:prstGeom>
+            <a:ln w="15875">
+              <a:solidFill>
+                <a:schemeClr val="tx1">
+                  <a:lumMod val="50000"/>
+                  <a:lumOff val="50000"/>
+                </a:schemeClr>
+              </a:solidFill>
+            </a:ln>
+          </p:spPr>
+          <p:style>
+            <a:lnRef idx="2">
+              <a:schemeClr val="accent6"/>
+            </a:lnRef>
+            <a:fillRef idx="1">
+              <a:schemeClr val="lt1"/>
+            </a:fillRef>
+            <a:effectRef idx="0">
+              <a:schemeClr val="accent6"/>
+            </a:effectRef>
+            <a:fontRef idx="minor">
+              <a:schemeClr val="dk1"/>
+            </a:fontRef>
+          </p:style>
+          <p:txBody>
+            <a:bodyPr rtlCol="0" anchor="ctr"/>
+            <a:lstStyle/>
+            <a:p>
+              <a:pPr algn="ctr"/>
+              <a:r>
+                <a:rPr lang="en-US" dirty="0"/>
+                <a:t>Alternatives</a:t>
+              </a:r>
+            </a:p>
+          </p:txBody>
+        </p:sp>
+        <p:cxnSp>
+          <p:nvCxnSpPr>
+            <p:cNvPr id="4" name="Straight Arrow Connector 3">
+              <a:extLst>
+                <a:ext uri="{FF2B5EF4-FFF2-40B4-BE49-F238E27FC236}">
+                  <a16:creationId xmlns:a16="http://schemas.microsoft.com/office/drawing/2014/main" id="{C0778620-776F-4E83-93D4-974305209DD1}"/>
+                </a:ext>
+              </a:extLst>
+            </p:cNvPr>
+            <p:cNvCxnSpPr>
+              <a:cxnSpLocks/>
+              <a:endCxn id="7" idx="1"/>
+            </p:cNvCxnSpPr>
+            <p:nvPr/>
+          </p:nvCxnSpPr>
+          <p:spPr>
+            <a:xfrm>
+              <a:off x="3921118" y="4515993"/>
+              <a:ext cx="998226" cy="0"/>
+            </a:xfrm>
+            <a:prstGeom prst="straightConnector1">
+              <a:avLst/>
+            </a:prstGeom>
+            <a:ln w="19050">
+              <a:solidFill>
+                <a:schemeClr val="tx1">
+                  <a:lumMod val="50000"/>
+                  <a:lumOff val="50000"/>
+                </a:schemeClr>
+              </a:solidFill>
+              <a:headEnd w="lg" len="med"/>
+              <a:tailEnd type="triangle" w="lg" len="lg"/>
+            </a:ln>
+          </p:spPr>
+          <p:style>
+            <a:lnRef idx="1">
+              <a:schemeClr val="dk1"/>
+            </a:lnRef>
+            <a:fillRef idx="0">
+              <a:schemeClr val="dk1"/>
+            </a:fillRef>
+            <a:effectRef idx="0">
+              <a:schemeClr val="dk1"/>
+            </a:effectRef>
+            <a:fontRef idx="minor">
+              <a:schemeClr val="tx1"/>
+            </a:fontRef>
+          </p:style>
+        </p:cxnSp>
+        <p:cxnSp>
+          <p:nvCxnSpPr>
+            <p:cNvPr id="12" name="Straight Arrow Connector 11">
+              <a:extLst>
+                <a:ext uri="{FF2B5EF4-FFF2-40B4-BE49-F238E27FC236}">
+                  <a16:creationId xmlns:a16="http://schemas.microsoft.com/office/drawing/2014/main" id="{F0031B07-1AEA-4069-A72B-3C5B0CB969BA}"/>
+                </a:ext>
+              </a:extLst>
+            </p:cNvPr>
+            <p:cNvCxnSpPr>
+              <a:cxnSpLocks/>
+              <a:stCxn id="7" idx="3"/>
+              <a:endCxn id="8" idx="1"/>
+            </p:cNvCxnSpPr>
+            <p:nvPr/>
+          </p:nvCxnSpPr>
+          <p:spPr>
+            <a:xfrm>
+              <a:off x="6479800" y="4515993"/>
+              <a:ext cx="1122957" cy="0"/>
+            </a:xfrm>
+            <a:prstGeom prst="straightConnector1">
+              <a:avLst/>
+            </a:prstGeom>
+            <a:ln w="19050">
+              <a:solidFill>
+                <a:schemeClr val="tx1">
+                  <a:lumMod val="50000"/>
+                  <a:lumOff val="50000"/>
+                </a:schemeClr>
+              </a:solidFill>
+              <a:headEnd w="lg" len="lg"/>
+              <a:tailEnd type="triangle" w="lg" len="lg"/>
+            </a:ln>
+          </p:spPr>
+          <p:style>
+            <a:lnRef idx="1">
+              <a:schemeClr val="dk1"/>
+            </a:lnRef>
+            <a:fillRef idx="0">
+              <a:schemeClr val="dk1"/>
+            </a:fillRef>
+            <a:effectRef idx="0">
+              <a:schemeClr val="dk1"/>
+            </a:effectRef>
+            <a:fontRef idx="minor">
+              <a:schemeClr val="tx1"/>
+            </a:fontRef>
+          </p:style>
+        </p:cxnSp>
+        <p:cxnSp>
+          <p:nvCxnSpPr>
+            <p:cNvPr id="15" name="Straight Arrow Connector 14">
+              <a:extLst>
+                <a:ext uri="{FF2B5EF4-FFF2-40B4-BE49-F238E27FC236}">
+                  <a16:creationId xmlns:a16="http://schemas.microsoft.com/office/drawing/2014/main" id="{A434438A-7AB6-43C1-9A43-A3B3F467D73C}"/>
+                </a:ext>
+              </a:extLst>
+            </p:cNvPr>
+            <p:cNvCxnSpPr>
+              <a:cxnSpLocks/>
+              <a:stCxn id="8" idx="3"/>
+              <a:endCxn id="9" idx="2"/>
+            </p:cNvCxnSpPr>
+            <p:nvPr/>
+          </p:nvCxnSpPr>
+          <p:spPr>
+            <a:xfrm flipV="1">
+              <a:off x="9163213" y="4004468"/>
+              <a:ext cx="1735541" cy="511525"/>
+            </a:xfrm>
+            <a:prstGeom prst="straightConnector1">
+              <a:avLst/>
+            </a:prstGeom>
+            <a:ln w="19050">
+              <a:solidFill>
+                <a:schemeClr val="tx1">
+                  <a:lumMod val="50000"/>
+                  <a:lumOff val="50000"/>
+                </a:schemeClr>
+              </a:solidFill>
+              <a:headEnd w="lg" len="med"/>
+              <a:tailEnd type="triangle" w="lg" len="lg"/>
+            </a:ln>
+          </p:spPr>
+          <p:style>
+            <a:lnRef idx="1">
+              <a:schemeClr val="dk1"/>
+            </a:lnRef>
+            <a:fillRef idx="0">
+              <a:schemeClr val="dk1"/>
+            </a:fillRef>
+            <a:effectRef idx="0">
+              <a:schemeClr val="dk1"/>
+            </a:effectRef>
+            <a:fontRef idx="minor">
+              <a:schemeClr val="tx1"/>
+            </a:fontRef>
+          </p:style>
+        </p:cxnSp>
+        <p:cxnSp>
+          <p:nvCxnSpPr>
+            <p:cNvPr id="21" name="Straight Arrow Connector 20">
+              <a:extLst>
+                <a:ext uri="{FF2B5EF4-FFF2-40B4-BE49-F238E27FC236}">
+                  <a16:creationId xmlns:a16="http://schemas.microsoft.com/office/drawing/2014/main" id="{216CB697-199D-4863-8A96-EC2735295F1F}"/>
+                </a:ext>
+              </a:extLst>
+            </p:cNvPr>
+            <p:cNvCxnSpPr>
+              <a:cxnSpLocks/>
+              <a:stCxn id="10" idx="1"/>
+            </p:cNvCxnSpPr>
+            <p:nvPr/>
+          </p:nvCxnSpPr>
+          <p:spPr>
+            <a:xfrm flipH="1" flipV="1">
+              <a:off x="3921118" y="2059318"/>
+              <a:ext cx="2546349" cy="1"/>
+            </a:xfrm>
+            <a:prstGeom prst="straightConnector1">
+              <a:avLst/>
+            </a:prstGeom>
+            <a:ln w="19050">
+              <a:solidFill>
+                <a:schemeClr val="tx1">
+                  <a:lumMod val="50000"/>
+                  <a:lumOff val="50000"/>
+                </a:schemeClr>
+              </a:solidFill>
+              <a:headEnd w="lg" len="med"/>
+              <a:tailEnd type="triangle" w="lg" len="lg"/>
+            </a:ln>
+          </p:spPr>
+          <p:style>
+            <a:lnRef idx="1">
+              <a:schemeClr val="dk1"/>
+            </a:lnRef>
+            <a:fillRef idx="0">
+              <a:schemeClr val="dk1"/>
+            </a:fillRef>
+            <a:effectRef idx="0">
+              <a:schemeClr val="dk1"/>
+            </a:effectRef>
+            <a:fontRef idx="minor">
+              <a:schemeClr val="tx1"/>
+            </a:fontRef>
+          </p:style>
+        </p:cxnSp>
+        <p:cxnSp>
+          <p:nvCxnSpPr>
+            <p:cNvPr id="22" name="Straight Arrow Connector 21">
+              <a:extLst>
+                <a:ext uri="{FF2B5EF4-FFF2-40B4-BE49-F238E27FC236}">
+                  <a16:creationId xmlns:a16="http://schemas.microsoft.com/office/drawing/2014/main" id="{BD167C7D-E4B5-4879-BE18-F38A25828CD6}"/>
+                </a:ext>
+              </a:extLst>
+            </p:cNvPr>
+            <p:cNvCxnSpPr>
+              <a:cxnSpLocks/>
+              <a:stCxn id="9" idx="0"/>
+              <a:endCxn id="10" idx="3"/>
+            </p:cNvCxnSpPr>
+            <p:nvPr/>
+          </p:nvCxnSpPr>
+          <p:spPr>
+            <a:xfrm flipH="1" flipV="1">
+              <a:off x="8027923" y="2059319"/>
+              <a:ext cx="2870831" cy="549056"/>
+            </a:xfrm>
+            <a:prstGeom prst="straightConnector1">
+              <a:avLst/>
+            </a:prstGeom>
+            <a:ln w="19050">
+              <a:solidFill>
+                <a:schemeClr val="tx1">
+                  <a:lumMod val="50000"/>
+                  <a:lumOff val="50000"/>
+                </a:schemeClr>
+              </a:solidFill>
+              <a:headEnd w="lg" len="med"/>
+              <a:tailEnd type="triangle" w="lg" len="lg"/>
+            </a:ln>
+          </p:spPr>
+          <p:style>
+            <a:lnRef idx="1">
+              <a:schemeClr val="dk1"/>
+            </a:lnRef>
+            <a:fillRef idx="0">
+              <a:schemeClr val="dk1"/>
+            </a:fillRef>
+            <a:effectRef idx="0">
+              <a:schemeClr val="dk1"/>
+            </a:effectRef>
+            <a:fontRef idx="minor">
+              <a:schemeClr val="tx1"/>
+            </a:fontRef>
+          </p:style>
+        </p:cxnSp>
+        <p:cxnSp>
+          <p:nvCxnSpPr>
+            <p:cNvPr id="24" name="Straight Arrow Connector 23">
+              <a:extLst>
+                <a:ext uri="{FF2B5EF4-FFF2-40B4-BE49-F238E27FC236}">
+                  <a16:creationId xmlns:a16="http://schemas.microsoft.com/office/drawing/2014/main" id="{3890204E-E9E8-4E4B-9CD8-25B5979B819F}"/>
+                </a:ext>
+              </a:extLst>
+            </p:cNvPr>
+            <p:cNvCxnSpPr>
+              <a:cxnSpLocks/>
+              <a:endCxn id="9" idx="1"/>
+            </p:cNvCxnSpPr>
+            <p:nvPr/>
+          </p:nvCxnSpPr>
+          <p:spPr>
+            <a:xfrm flipV="1">
+              <a:off x="3921118" y="3306422"/>
+              <a:ext cx="6160418" cy="25827"/>
+            </a:xfrm>
+            <a:prstGeom prst="straightConnector1">
+              <a:avLst/>
+            </a:prstGeom>
+            <a:ln w="19050">
+              <a:solidFill>
+                <a:schemeClr val="tx1">
+                  <a:lumMod val="50000"/>
+                  <a:lumOff val="50000"/>
+                </a:schemeClr>
+              </a:solidFill>
+              <a:headEnd w="lg" len="med"/>
+              <a:tailEnd type="triangle" w="lg" len="lg"/>
+            </a:ln>
+          </p:spPr>
+          <p:style>
+            <a:lnRef idx="1">
+              <a:schemeClr val="dk1"/>
+            </a:lnRef>
+            <a:fillRef idx="0">
+              <a:schemeClr val="dk1"/>
+            </a:fillRef>
+            <a:effectRef idx="0">
+              <a:schemeClr val="dk1"/>
+            </a:effectRef>
+            <a:fontRef idx="minor">
+              <a:schemeClr val="tx1"/>
+            </a:fontRef>
+          </p:style>
+        </p:cxnSp>
+        <p:sp>
+          <p:nvSpPr>
+            <p:cNvPr id="37" name="TextBox 36">
+              <a:extLst>
+                <a:ext uri="{FF2B5EF4-FFF2-40B4-BE49-F238E27FC236}">
+                  <a16:creationId xmlns:a16="http://schemas.microsoft.com/office/drawing/2014/main" id="{CBC03F2F-3329-4013-BC3C-42A7DD50ECC8}"/>
+                </a:ext>
+              </a:extLst>
+            </p:cNvPr>
+            <p:cNvSpPr txBox="1"/>
+            <p:nvPr/>
+          </p:nvSpPr>
+          <p:spPr>
+            <a:xfrm>
+              <a:off x="5643948" y="2926166"/>
+              <a:ext cx="2870831" cy="369332"/>
+            </a:xfrm>
+            <a:prstGeom prst="rect">
+              <a:avLst/>
+            </a:prstGeom>
+            <a:noFill/>
+          </p:spPr>
+          <p:txBody>
+            <a:bodyPr wrap="square" rtlCol="0">
+              <a:spAutoFit/>
+            </a:bodyPr>
+            <a:lstStyle/>
+            <a:p>
+              <a:r>
+                <a:rPr lang="en-US" dirty="0"/>
+                <a:t>Explicit + Implicit Feedback</a:t>
+              </a:r>
+            </a:p>
+          </p:txBody>
+        </p:sp>
+        <p:cxnSp>
+          <p:nvCxnSpPr>
+            <p:cNvPr id="38" name="Straight Arrow Connector 37">
+              <a:extLst>
+                <a:ext uri="{FF2B5EF4-FFF2-40B4-BE49-F238E27FC236}">
+                  <a16:creationId xmlns:a16="http://schemas.microsoft.com/office/drawing/2014/main" id="{24278A30-911C-4280-9E45-D0F38FAD7526}"/>
+                </a:ext>
+              </a:extLst>
+            </p:cNvPr>
+            <p:cNvCxnSpPr>
+              <a:cxnSpLocks/>
+              <a:endCxn id="9" idx="0"/>
+            </p:cNvCxnSpPr>
+            <p:nvPr/>
+          </p:nvCxnSpPr>
+          <p:spPr>
+            <a:xfrm>
+              <a:off x="10892568" y="2147119"/>
+              <a:ext cx="6186" cy="461256"/>
+            </a:xfrm>
+            <a:prstGeom prst="straightConnector1">
+              <a:avLst/>
+            </a:prstGeom>
+            <a:ln w="19050">
+              <a:solidFill>
+                <a:schemeClr val="tx1">
+                  <a:lumMod val="50000"/>
+                  <a:lumOff val="50000"/>
+                </a:schemeClr>
+              </a:solidFill>
+              <a:headEnd w="lg" len="med"/>
+              <a:tailEnd type="triangle" w="lg" len="lg"/>
+            </a:ln>
+          </p:spPr>
+          <p:style>
+            <a:lnRef idx="1">
+              <a:schemeClr val="dk1"/>
+            </a:lnRef>
+            <a:fillRef idx="0">
+              <a:schemeClr val="dk1"/>
+            </a:fillRef>
+            <a:effectRef idx="0">
+              <a:schemeClr val="dk1"/>
+            </a:effectRef>
+            <a:fontRef idx="minor">
+              <a:schemeClr val="tx1"/>
+            </a:fontRef>
+          </p:style>
+        </p:cxnSp>
+        <p:sp>
+          <p:nvSpPr>
+            <p:cNvPr id="43" name="TextBox 42">
+              <a:extLst>
+                <a:ext uri="{FF2B5EF4-FFF2-40B4-BE49-F238E27FC236}">
+                  <a16:creationId xmlns:a16="http://schemas.microsoft.com/office/drawing/2014/main" id="{E9E64975-9E53-4CFE-B09A-DCEB19EFF104}"/>
+                </a:ext>
+              </a:extLst>
+            </p:cNvPr>
+            <p:cNvSpPr txBox="1"/>
+            <p:nvPr/>
+          </p:nvSpPr>
+          <p:spPr>
+            <a:xfrm>
+              <a:off x="10449174" y="1556571"/>
+              <a:ext cx="854119" cy="646331"/>
+            </a:xfrm>
+            <a:prstGeom prst="rect">
+              <a:avLst/>
+            </a:prstGeom>
+            <a:noFill/>
+          </p:spPr>
+          <p:txBody>
+            <a:bodyPr wrap="square" rtlCol="0">
+              <a:spAutoFit/>
+            </a:bodyPr>
+            <a:lstStyle/>
+            <a:p>
+              <a:pPr algn="ctr"/>
+              <a:r>
+                <a:rPr lang="en-US" dirty="0"/>
+                <a:t>Seed</a:t>
+              </a:r>
+            </a:p>
+            <a:p>
+              <a:pPr algn="ctr"/>
+              <a:r>
+                <a:rPr lang="en-US" dirty="0"/>
+                <a:t>Words</a:t>
+              </a:r>
+            </a:p>
+          </p:txBody>
+        </p:sp>
+        <p:sp>
+          <p:nvSpPr>
+            <p:cNvPr id="44" name="TextBox 43">
+              <a:extLst>
+                <a:ext uri="{FF2B5EF4-FFF2-40B4-BE49-F238E27FC236}">
+                  <a16:creationId xmlns:a16="http://schemas.microsoft.com/office/drawing/2014/main" id="{1265D9FF-6DF0-4FE3-B49D-D00FADAE25F0}"/>
+                </a:ext>
+              </a:extLst>
+            </p:cNvPr>
+            <p:cNvSpPr txBox="1"/>
+            <p:nvPr/>
+          </p:nvSpPr>
+          <p:spPr>
+            <a:xfrm>
+              <a:off x="4115610" y="4191755"/>
+              <a:ext cx="743910" cy="646331"/>
+            </a:xfrm>
+            <a:prstGeom prst="rect">
+              <a:avLst/>
+            </a:prstGeom>
+            <a:noFill/>
+          </p:spPr>
+          <p:txBody>
+            <a:bodyPr wrap="square" rtlCol="0">
+              <a:spAutoFit/>
+            </a:bodyPr>
+            <a:lstStyle/>
+            <a:p>
+              <a:r>
+                <a:rPr lang="en-US" dirty="0"/>
+                <a:t>Raw</a:t>
+              </a:r>
+            </a:p>
+            <a:p>
+              <a:r>
+                <a:rPr lang="en-US" dirty="0"/>
+                <a:t>Text</a:t>
+              </a:r>
+            </a:p>
+          </p:txBody>
+        </p:sp>
+        <p:sp>
+          <p:nvSpPr>
+            <p:cNvPr id="51" name="TextBox 50">
+              <a:extLst>
+                <a:ext uri="{FF2B5EF4-FFF2-40B4-BE49-F238E27FC236}">
+                  <a16:creationId xmlns:a16="http://schemas.microsoft.com/office/drawing/2014/main" id="{3FBD2E78-56C8-49F9-980D-8B7B27657628}"/>
+                </a:ext>
+              </a:extLst>
+            </p:cNvPr>
+            <p:cNvSpPr txBox="1"/>
+            <p:nvPr/>
+          </p:nvSpPr>
+          <p:spPr>
+            <a:xfrm>
+              <a:off x="6629019" y="4158696"/>
+              <a:ext cx="877508" cy="369332"/>
+            </a:xfrm>
+            <a:prstGeom prst="rect">
+              <a:avLst/>
+            </a:prstGeom>
+            <a:noFill/>
+          </p:spPr>
+          <p:txBody>
+            <a:bodyPr wrap="square" rtlCol="0">
+              <a:spAutoFit/>
+            </a:bodyPr>
+            <a:lstStyle/>
+            <a:p>
+              <a:r>
+                <a:rPr lang="en-US" dirty="0"/>
+                <a:t>Words</a:t>
+              </a:r>
+            </a:p>
+          </p:txBody>
+        </p:sp>
+        <p:sp>
+          <p:nvSpPr>
+            <p:cNvPr id="52" name="TextBox 51">
+              <a:extLst>
+                <a:ext uri="{FF2B5EF4-FFF2-40B4-BE49-F238E27FC236}">
+                  <a16:creationId xmlns:a16="http://schemas.microsoft.com/office/drawing/2014/main" id="{C7AA7B37-03A6-4F2D-84C8-8D8897A96452}"/>
+                </a:ext>
+              </a:extLst>
+            </p:cNvPr>
+            <p:cNvSpPr txBox="1"/>
+            <p:nvPr/>
+          </p:nvSpPr>
+          <p:spPr>
+            <a:xfrm>
+              <a:off x="9798284" y="4204862"/>
+              <a:ext cx="813348" cy="646331"/>
+            </a:xfrm>
+            <a:prstGeom prst="rect">
+              <a:avLst/>
+            </a:prstGeom>
+            <a:noFill/>
+          </p:spPr>
+          <p:txBody>
+            <a:bodyPr wrap="square" rtlCol="0">
+              <a:spAutoFit/>
+            </a:bodyPr>
+            <a:lstStyle/>
+            <a:p>
+              <a:r>
+                <a:rPr lang="en-US" dirty="0"/>
+                <a:t>Words </a:t>
+              </a:r>
+            </a:p>
+            <a:p>
+              <a:r>
+                <a:rPr lang="en-US" dirty="0"/>
+                <a:t>+ Tags</a:t>
+              </a:r>
+            </a:p>
+          </p:txBody>
+        </p:sp>
+        <p:sp>
+          <p:nvSpPr>
+            <p:cNvPr id="53" name="TextBox 52">
+              <a:extLst>
+                <a:ext uri="{FF2B5EF4-FFF2-40B4-BE49-F238E27FC236}">
+                  <a16:creationId xmlns:a16="http://schemas.microsoft.com/office/drawing/2014/main" id="{259A1C7A-E2B4-49E7-ACD1-D8A0DAB1674C}"/>
+                </a:ext>
+              </a:extLst>
+            </p:cNvPr>
+            <p:cNvSpPr txBox="1"/>
+            <p:nvPr/>
+          </p:nvSpPr>
+          <p:spPr>
+            <a:xfrm>
+              <a:off x="8838955" y="1626748"/>
+              <a:ext cx="959329" cy="646331"/>
+            </a:xfrm>
+            <a:prstGeom prst="rect">
+              <a:avLst/>
+            </a:prstGeom>
+            <a:noFill/>
+          </p:spPr>
+          <p:txBody>
+            <a:bodyPr wrap="square" rtlCol="0">
+              <a:spAutoFit/>
+            </a:bodyPr>
+            <a:lstStyle/>
+            <a:p>
+              <a:r>
+                <a:rPr lang="en-US" dirty="0"/>
+                <a:t>Difficult</a:t>
+              </a:r>
+            </a:p>
+            <a:p>
+              <a:r>
+                <a:rPr lang="en-US" dirty="0"/>
+                <a:t>Words</a:t>
+              </a:r>
+            </a:p>
+          </p:txBody>
+        </p:sp>
+        <p:sp>
+          <p:nvSpPr>
+            <p:cNvPr id="102" name="TextBox 101">
+              <a:extLst>
+                <a:ext uri="{FF2B5EF4-FFF2-40B4-BE49-F238E27FC236}">
+                  <a16:creationId xmlns:a16="http://schemas.microsoft.com/office/drawing/2014/main" id="{2EB1BB20-9479-43E3-9A87-BCA23A77C03E}"/>
+                </a:ext>
+              </a:extLst>
+            </p:cNvPr>
+            <p:cNvSpPr txBox="1"/>
+            <p:nvPr/>
+          </p:nvSpPr>
+          <p:spPr>
+            <a:xfrm>
+              <a:off x="4482203" y="1720324"/>
+              <a:ext cx="1748944" cy="646331"/>
+            </a:xfrm>
+            <a:prstGeom prst="rect">
+              <a:avLst/>
+            </a:prstGeom>
+            <a:noFill/>
+          </p:spPr>
+          <p:txBody>
+            <a:bodyPr wrap="square" rtlCol="0">
+              <a:spAutoFit/>
+            </a:bodyPr>
+            <a:lstStyle/>
+            <a:p>
+              <a:r>
+                <a:rPr lang="en-US" dirty="0"/>
+                <a:t>Difficult Words +</a:t>
+              </a:r>
+            </a:p>
+            <a:p>
+              <a:r>
+                <a:rPr lang="en-US" dirty="0"/>
+                <a:t>Alternatives</a:t>
+              </a:r>
+            </a:p>
+          </p:txBody>
+        </p:sp>
+        <p:pic>
+          <p:nvPicPr>
+            <p:cNvPr id="31" name="Picture 30" descr="Text&#10;&#10;Description automatically generated">
+              <a:extLst>
+                <a:ext uri="{FF2B5EF4-FFF2-40B4-BE49-F238E27FC236}">
+                  <a16:creationId xmlns:a16="http://schemas.microsoft.com/office/drawing/2014/main" id="{62BF2712-E5E8-497A-A74C-D797DD75B192}"/>
+                </a:ext>
+              </a:extLst>
+            </p:cNvPr>
+            <p:cNvPicPr>
+              <a:picLocks noChangeAspect="1"/>
+            </p:cNvPicPr>
+            <p:nvPr/>
+          </p:nvPicPr>
+          <p:blipFill>
+            <a:blip r:embed="rId4">
+              <a:extLst>
+                <a:ext uri="{28A0092B-C50C-407E-A947-70E740481C1C}">
+                  <a14:useLocalDpi xmlns:a14="http://schemas.microsoft.com/office/drawing/2010/main" val="0"/>
+                </a:ext>
+              </a:extLst>
+            </a:blip>
+            <a:stretch>
+              <a:fillRect/>
+            </a:stretch>
+          </p:blipFill>
+          <p:spPr>
+            <a:xfrm>
+              <a:off x="379797" y="1671515"/>
+              <a:ext cx="3540928" cy="3219025"/>
+            </a:xfrm>
+            <a:prstGeom prst="roundRect">
+              <a:avLst>
+                <a:gd name="adj" fmla="val 5476"/>
+              </a:avLst>
+            </a:prstGeom>
             <a:solidFill>
-              <a:schemeClr val="tx1"/>
+              <a:srgbClr val="FFFFFF">
+                <a:shade val="85000"/>
+              </a:srgbClr>
             </a:solidFill>
-          </a:ln>
-        </p:spPr>
-      </p:pic>
+            <a:ln w="19050">
+              <a:solidFill>
+                <a:schemeClr val="bg1">
+                  <a:lumMod val="65000"/>
+                </a:schemeClr>
+              </a:solidFill>
+            </a:ln>
+            <a:effectLst/>
+          </p:spPr>
+        </p:pic>
+      </p:grpSp>
     </p:spTree>
     <p:extLst>
       <p:ext uri="{BB962C8B-B14F-4D97-AF65-F5344CB8AC3E}">
-        <p14:creationId xmlns:p14="http://schemas.microsoft.com/office/powerpoint/2010/main" val="1239597520"/>
+        <p14:creationId xmlns:p14="http://schemas.microsoft.com/office/powerpoint/2010/main" val="2116297925"/>
       </p:ext>
     </p:extLst>
   </p:cSld>
@@ -6540,10 +7514,10 @@
       </p:grpSpPr>
       <p:pic>
         <p:nvPicPr>
-          <p:cNvPr id="6" name="Picture 5" descr="Graphical user interface, text, application, email&#10;&#10;Description automatically generated">
-            <a:extLst>
-              <a:ext uri="{FF2B5EF4-FFF2-40B4-BE49-F238E27FC236}">
-                <a16:creationId xmlns:a16="http://schemas.microsoft.com/office/drawing/2014/main" id="{98D615F1-68BD-427A-B14F-3C9FD0F55074}"/>
+          <p:cNvPr id="20" name="Picture 19" descr="A picture containing object&#10;&#10;Description generated with very high confidence">
+            <a:extLst>
+              <a:ext uri="{FF2B5EF4-FFF2-40B4-BE49-F238E27FC236}">
+                <a16:creationId xmlns:a16="http://schemas.microsoft.com/office/drawing/2014/main" id="{BFA8EE74-C4C5-4B64-A157-B93B22BF494E}"/>
               </a:ext>
             </a:extLst>
           </p:cNvPr>
@@ -6553,7 +7527,7 @@
           <p:nvPr/>
         </p:nvPicPr>
         <p:blipFill>
-          <a:blip r:embed="rId2">
+          <a:blip r:embed="rId3">
             <a:extLst>
               <a:ext uri="{28A0092B-C50C-407E-A947-70E740481C1C}">
                 <a14:useLocalDpi xmlns:a14="http://schemas.microsoft.com/office/drawing/2010/main" val="0"/>
@@ -6566,23 +7540,69 @@
         </p:blipFill>
         <p:spPr>
           <a:xfrm>
-            <a:off x="2568076" y="232916"/>
-            <a:ext cx="5953956" cy="6392167"/>
+            <a:off x="9835376" y="6328400"/>
+            <a:ext cx="2223771" cy="428280"/>
           </a:xfrm>
           <a:prstGeom prst="rect">
             <a:avLst/>
           </a:prstGeom>
-          <a:ln w="3175">
+        </p:spPr>
+      </p:pic>
+      <p:pic>
+        <p:nvPicPr>
+          <p:cNvPr id="3" name="Picture 2" descr="Text&#10;&#10;Description automatically generated">
+            <a:extLst>
+              <a:ext uri="{FF2B5EF4-FFF2-40B4-BE49-F238E27FC236}">
+                <a16:creationId xmlns:a16="http://schemas.microsoft.com/office/drawing/2014/main" id="{E3716E49-0540-4481-9B45-CD3016599EF6}"/>
+              </a:ext>
+            </a:extLst>
+          </p:cNvPr>
+          <p:cNvPicPr>
+            <a:picLocks noChangeAspect="1"/>
+          </p:cNvPicPr>
+          <p:nvPr/>
+        </p:nvPicPr>
+        <p:blipFill>
+          <a:blip r:embed="rId4">
+            <a:extLst>
+              <a:ext uri="{28A0092B-C50C-407E-A947-70E740481C1C}">
+                <a14:useLocalDpi xmlns:a14="http://schemas.microsoft.com/office/drawing/2010/main" val="0"/>
+              </a:ext>
+            </a:extLst>
+          </a:blip>
+          <a:stretch>
+            <a:fillRect/>
+          </a:stretch>
+        </p:blipFill>
+        <p:spPr>
+          <a:xfrm>
+            <a:off x="3266680" y="856891"/>
+            <a:ext cx="5658640" cy="5144218"/>
+          </a:xfrm>
+          <a:prstGeom prst="roundRect">
+            <a:avLst>
+              <a:gd name="adj" fmla="val 5476"/>
+            </a:avLst>
+          </a:prstGeom>
+          <a:solidFill>
+            <a:srgbClr val="FFFFFF">
+              <a:shade val="85000"/>
+            </a:srgbClr>
+          </a:solidFill>
+          <a:ln w="19050">
             <a:solidFill>
-              <a:schemeClr val="tx1"/>
+              <a:schemeClr val="accent6">
+                <a:lumMod val="75000"/>
+              </a:schemeClr>
             </a:solidFill>
           </a:ln>
+          <a:effectLst/>
         </p:spPr>
       </p:pic>
     </p:spTree>
     <p:extLst>
       <p:ext uri="{BB962C8B-B14F-4D97-AF65-F5344CB8AC3E}">
-        <p14:creationId xmlns:p14="http://schemas.microsoft.com/office/powerpoint/2010/main" val="2521728259"/>
+        <p14:creationId xmlns:p14="http://schemas.microsoft.com/office/powerpoint/2010/main" val="1239597520"/>
       </p:ext>
     </p:extLst>
   </p:cSld>
@@ -6609,12 +7629,191 @@
           <a:chExt cx="0" cy="0"/>
         </a:xfrm>
       </p:grpSpPr>
+      <p:sp>
+        <p:nvSpPr>
+          <p:cNvPr id="19" name="Title 1">
+            <a:extLst>
+              <a:ext uri="{FF2B5EF4-FFF2-40B4-BE49-F238E27FC236}">
+                <a16:creationId xmlns:a16="http://schemas.microsoft.com/office/drawing/2014/main" id="{1145B1FC-8B5F-4A10-B215-C60705EDF134}"/>
+              </a:ext>
+            </a:extLst>
+          </p:cNvPr>
+          <p:cNvSpPr txBox="1">
+            <a:spLocks/>
+          </p:cNvSpPr>
+          <p:nvPr/>
+        </p:nvSpPr>
+        <p:spPr>
+          <a:xfrm>
+            <a:off x="807187" y="280918"/>
+            <a:ext cx="10772775" cy="961277"/>
+          </a:xfrm>
+          <a:prstGeom prst="rect">
+            <a:avLst/>
+          </a:prstGeom>
+        </p:spPr>
+        <p:txBody>
+          <a:bodyPr vert="horz" lIns="91440" tIns="45720" rIns="91440" bIns="45720" rtlCol="0" anchor="ctr">
+            <a:normAutofit/>
+          </a:bodyPr>
+          <a:lstStyle>
+            <a:lvl1pPr algn="l" defTabSz="914400" rtl="0" eaLnBrk="1" latinLnBrk="0" hangingPunct="1">
+              <a:lnSpc>
+                <a:spcPct val="90000"/>
+              </a:lnSpc>
+              <a:spcBef>
+                <a:spcPct val="0"/>
+              </a:spcBef>
+              <a:buNone/>
+              <a:defRPr sz="4400" kern="1200">
+                <a:solidFill>
+                  <a:schemeClr val="tx1"/>
+                </a:solidFill>
+                <a:latin typeface="+mj-lt"/>
+                <a:ea typeface="+mj-ea"/>
+                <a:cs typeface="+mj-cs"/>
+              </a:defRPr>
+            </a:lvl1pPr>
+          </a:lstStyle>
+          <a:p>
+            <a:pPr algn="ctr"/>
+            <a:r>
+              <a:rPr lang="en-US" b="1" dirty="0">
+                <a:solidFill>
+                  <a:schemeClr val="accent1">
+                    <a:lumMod val="75000"/>
+                  </a:schemeClr>
+                </a:solidFill>
+                <a:latin typeface="+mn-lt"/>
+              </a:rPr>
+              <a:t>Refining Model</a:t>
+            </a:r>
+          </a:p>
+        </p:txBody>
+      </p:sp>
       <p:pic>
         <p:nvPicPr>
-          <p:cNvPr id="21" name="Picture 20">
-            <a:extLst>
-              <a:ext uri="{FF2B5EF4-FFF2-40B4-BE49-F238E27FC236}">
-                <a16:creationId xmlns:a16="http://schemas.microsoft.com/office/drawing/2014/main" id="{8868810F-9376-4790-8FEC-FBB650F86BF3}"/>
+          <p:cNvPr id="20" name="Picture 19" descr="A picture containing object&#10;&#10;Description generated with very high confidence">
+            <a:extLst>
+              <a:ext uri="{FF2B5EF4-FFF2-40B4-BE49-F238E27FC236}">
+                <a16:creationId xmlns:a16="http://schemas.microsoft.com/office/drawing/2014/main" id="{BFA8EE74-C4C5-4B64-A157-B93B22BF494E}"/>
+              </a:ext>
+            </a:extLst>
+          </p:cNvPr>
+          <p:cNvPicPr>
+            <a:picLocks noChangeAspect="1"/>
+          </p:cNvPicPr>
+          <p:nvPr/>
+        </p:nvPicPr>
+        <p:blipFill>
+          <a:blip r:embed="rId3">
+            <a:extLst>
+              <a:ext uri="{28A0092B-C50C-407E-A947-70E740481C1C}">
+                <a14:useLocalDpi xmlns:a14="http://schemas.microsoft.com/office/drawing/2010/main" val="0"/>
+              </a:ext>
+            </a:extLst>
+          </a:blip>
+          <a:stretch>
+            <a:fillRect/>
+          </a:stretch>
+        </p:blipFill>
+        <p:spPr>
+          <a:xfrm>
+            <a:off x="9835376" y="6328400"/>
+            <a:ext cx="2223771" cy="428280"/>
+          </a:xfrm>
+          <a:prstGeom prst="rect">
+            <a:avLst/>
+          </a:prstGeom>
+        </p:spPr>
+      </p:pic>
+      <p:pic>
+        <p:nvPicPr>
+          <p:cNvPr id="3" name="Picture 2" descr="Graphical user interface, text, application, chat or text message&#10;&#10;Description automatically generated">
+            <a:extLst>
+              <a:ext uri="{FF2B5EF4-FFF2-40B4-BE49-F238E27FC236}">
+                <a16:creationId xmlns:a16="http://schemas.microsoft.com/office/drawing/2014/main" id="{4ED7C06C-B139-4669-96BF-F7FDD90973AC}"/>
+              </a:ext>
+            </a:extLst>
+          </p:cNvPr>
+          <p:cNvPicPr>
+            <a:picLocks noChangeAspect="1"/>
+          </p:cNvPicPr>
+          <p:nvPr/>
+        </p:nvPicPr>
+        <p:blipFill>
+          <a:blip r:embed="rId4">
+            <a:extLst>
+              <a:ext uri="{28A0092B-C50C-407E-A947-70E740481C1C}">
+                <a14:useLocalDpi xmlns:a14="http://schemas.microsoft.com/office/drawing/2010/main" val="0"/>
+              </a:ext>
+            </a:extLst>
+          </a:blip>
+          <a:stretch>
+            <a:fillRect/>
+          </a:stretch>
+        </p:blipFill>
+        <p:spPr>
+          <a:xfrm>
+            <a:off x="3048090" y="2121646"/>
+            <a:ext cx="5887272" cy="2486372"/>
+          </a:xfrm>
+          <a:prstGeom prst="roundRect">
+            <a:avLst>
+              <a:gd name="adj" fmla="val 8594"/>
+            </a:avLst>
+          </a:prstGeom>
+          <a:solidFill>
+            <a:srgbClr val="FFFFFF">
+              <a:shade val="85000"/>
+            </a:srgbClr>
+          </a:solidFill>
+          <a:ln w="19050">
+            <a:solidFill>
+              <a:schemeClr val="bg2">
+                <a:lumMod val="75000"/>
+              </a:schemeClr>
+            </a:solidFill>
+          </a:ln>
+          <a:effectLst/>
+        </p:spPr>
+      </p:pic>
+    </p:spTree>
+    <p:extLst>
+      <p:ext uri="{BB962C8B-B14F-4D97-AF65-F5344CB8AC3E}">
+        <p14:creationId xmlns:p14="http://schemas.microsoft.com/office/powerpoint/2010/main" val="757993969"/>
+      </p:ext>
+    </p:extLst>
+  </p:cSld>
+  <p:clrMapOvr>
+    <a:masterClrMapping/>
+  </p:clrMapOvr>
+</p:sld>
+</file>
+
+<file path=ppt/slides/slide8.xml><?xml version="1.0" encoding="utf-8"?>
+<p:sld xmlns:a="http://schemas.openxmlformats.org/drawingml/2006/main" xmlns:r="http://schemas.openxmlformats.org/officeDocument/2006/relationships" xmlns:p="http://schemas.openxmlformats.org/presentationml/2006/main">
+  <p:cSld>
+    <p:spTree>
+      <p:nvGrpSpPr>
+        <p:cNvPr id="1" name=""/>
+        <p:cNvGrpSpPr/>
+        <p:nvPr/>
+      </p:nvGrpSpPr>
+      <p:grpSpPr>
+        <a:xfrm>
+          <a:off x="0" y="0"/>
+          <a:ext cx="0" cy="0"/>
+          <a:chOff x="0" y="0"/>
+          <a:chExt cx="0" cy="0"/>
+        </a:xfrm>
+      </p:grpSpPr>
+      <p:pic>
+        <p:nvPicPr>
+          <p:cNvPr id="3" name="Picture 2" descr="Graphical user interface, text, application&#10;&#10;Description automatically generated">
+            <a:extLst>
+              <a:ext uri="{FF2B5EF4-FFF2-40B4-BE49-F238E27FC236}">
+                <a16:creationId xmlns:a16="http://schemas.microsoft.com/office/drawing/2014/main" id="{5068E765-8CCF-4429-9151-47841327A9F8}"/>
               </a:ext>
             </a:extLst>
           </p:cNvPr>
@@ -6637,22 +7836,25 @@
         </p:blipFill>
         <p:spPr>
           <a:xfrm>
-            <a:off x="3398256" y="1675823"/>
-            <a:ext cx="3282182" cy="2623461"/>
+            <a:off x="3147601" y="247206"/>
+            <a:ext cx="5896798" cy="6363588"/>
           </a:xfrm>
           <a:prstGeom prst="roundRect">
             <a:avLst>
-              <a:gd name="adj" fmla="val 4167"/>
+              <a:gd name="adj" fmla="val 3289"/>
             </a:avLst>
           </a:prstGeom>
           <a:solidFill>
-            <a:srgbClr val="FFFFFF"/>
+            <a:srgbClr val="FFFFFF">
+              <a:shade val="85000"/>
+            </a:srgbClr>
           </a:solidFill>
-          <a:ln w="19050" cap="sq">
+          <a:ln w="19050">
             <a:solidFill>
-              <a:schemeClr val="bg2"/>
+              <a:schemeClr val="bg2">
+                <a:lumMod val="75000"/>
+              </a:schemeClr>
             </a:solidFill>
-            <a:miter lim="800000"/>
           </a:ln>
           <a:effectLst/>
         </p:spPr>
@@ -6660,7 +7862,7 @@
     </p:spTree>
     <p:extLst>
       <p:ext uri="{BB962C8B-B14F-4D97-AF65-F5344CB8AC3E}">
-        <p14:creationId xmlns:p14="http://schemas.microsoft.com/office/powerpoint/2010/main" val="3897168250"/>
+        <p14:creationId xmlns:p14="http://schemas.microsoft.com/office/powerpoint/2010/main" val="2521728259"/>
       </p:ext>
     </p:extLst>
   </p:cSld>
